--- a/SAH_Финал_ASEKcrew.pptx
+++ b/SAH_Финал_ASEKcrew.pptx
@@ -8,13 +8,20 @@
     <p:sldId id="268" r:id="rId2"/>
     <p:sldId id="274" r:id="rId3"/>
     <p:sldId id="275" r:id="rId4"/>
-    <p:sldId id="273" r:id="rId5"/>
-    <p:sldId id="270" r:id="rId6"/>
-    <p:sldId id="277" r:id="rId7"/>
-    <p:sldId id="276" r:id="rId8"/>
-    <p:sldId id="278" r:id="rId9"/>
-    <p:sldId id="279" r:id="rId10"/>
-    <p:sldId id="280" r:id="rId11"/>
+    <p:sldId id="285" r:id="rId5"/>
+    <p:sldId id="273" r:id="rId6"/>
+    <p:sldId id="270" r:id="rId7"/>
+    <p:sldId id="277" r:id="rId8"/>
+    <p:sldId id="276" r:id="rId9"/>
+    <p:sldId id="280" r:id="rId10"/>
+    <p:sldId id="287" r:id="rId11"/>
+    <p:sldId id="278" r:id="rId12"/>
+    <p:sldId id="279" r:id="rId13"/>
+    <p:sldId id="281" r:id="rId14"/>
+    <p:sldId id="282" r:id="rId15"/>
+    <p:sldId id="283" r:id="rId16"/>
+    <p:sldId id="289" r:id="rId17"/>
+    <p:sldId id="288" r:id="rId18"/>
   </p:sldIdLst>
   <p:sldSz cx="12192000" cy="6858000"/>
   <p:notesSz cx="6858000" cy="9144000"/>
@@ -114,6 +121,35 @@
     </a:lvl9pPr>
   </p:defaultTextStyle>
   <p:extLst>
+    <p:ext uri="{521415D9-36F7-43E2-AB2F-B90AF26B5E84}">
+      <p14:sectionLst xmlns:p14="http://schemas.microsoft.com/office/powerpoint/2010/main">
+        <p14:section name="Раздел по умолчанию" id="{6C06D6AF-C89F-49D3-9964-8F0D3786B8EB}">
+          <p14:sldIdLst>
+            <p14:sldId id="268"/>
+            <p14:sldId id="274"/>
+            <p14:sldId id="275"/>
+            <p14:sldId id="285"/>
+            <p14:sldId id="273"/>
+            <p14:sldId id="270"/>
+            <p14:sldId id="277"/>
+            <p14:sldId id="276"/>
+            <p14:sldId id="280"/>
+            <p14:sldId id="287"/>
+            <p14:sldId id="278"/>
+            <p14:sldId id="279"/>
+          </p14:sldIdLst>
+        </p14:section>
+        <p14:section name="Бизнес инсайты" id="{C416E8E9-E7EC-41F4-B500-3E4D9B98D50E}">
+          <p14:sldIdLst>
+            <p14:sldId id="281"/>
+            <p14:sldId id="282"/>
+            <p14:sldId id="283"/>
+            <p14:sldId id="289"/>
+            <p14:sldId id="288"/>
+          </p14:sldIdLst>
+        </p14:section>
+      </p14:sectionLst>
+    </p:ext>
     <p:ext uri="{EFAFB233-063F-42B5-8137-9DF3F51BA10A}">
       <p15:sldGuideLst xmlns:p15="http://schemas.microsoft.com/office/powerpoint/2012/main"/>
     </p:ext>
@@ -289,7 +325,7 @@
           <a:p>
             <a:fld id="{AC47BC63-E68C-4873-8899-D42660F85693}" type="datetimeFigureOut">
               <a:rPr lang="ru-RU" smtClean="0"/>
-              <a:t>01.12.2023</a:t>
+              <a:t>02.12.2023</a:t>
             </a:fld>
             <a:endParaRPr lang="ru-RU"/>
           </a:p>
@@ -517,7 +553,7 @@
           <a:p>
             <a:fld id="{AC47BC63-E68C-4873-8899-D42660F85693}" type="datetimeFigureOut">
               <a:rPr lang="ru-RU" smtClean="0"/>
-              <a:t>01.12.2023</a:t>
+              <a:t>02.12.2023</a:t>
             </a:fld>
             <a:endParaRPr lang="ru-RU"/>
           </a:p>
@@ -697,7 +733,7 @@
           <a:p>
             <a:fld id="{AC47BC63-E68C-4873-8899-D42660F85693}" type="datetimeFigureOut">
               <a:rPr lang="ru-RU" smtClean="0"/>
-              <a:t>01.12.2023</a:t>
+              <a:t>02.12.2023</a:t>
             </a:fld>
             <a:endParaRPr lang="ru-RU"/>
           </a:p>
@@ -867,7 +903,7 @@
           <a:p>
             <a:fld id="{AC47BC63-E68C-4873-8899-D42660F85693}" type="datetimeFigureOut">
               <a:rPr lang="ru-RU" smtClean="0"/>
-              <a:t>01.12.2023</a:t>
+              <a:t>02.12.2023</a:t>
             </a:fld>
             <a:endParaRPr lang="ru-RU"/>
           </a:p>
@@ -1121,7 +1157,7 @@
           <a:p>
             <a:fld id="{AC47BC63-E68C-4873-8899-D42660F85693}" type="datetimeFigureOut">
               <a:rPr lang="ru-RU" smtClean="0"/>
-              <a:t>01.12.2023</a:t>
+              <a:t>02.12.2023</a:t>
             </a:fld>
             <a:endParaRPr lang="ru-RU"/>
           </a:p>
@@ -1447,7 +1483,7 @@
           <a:p>
             <a:fld id="{AC47BC63-E68C-4873-8899-D42660F85693}" type="datetimeFigureOut">
               <a:rPr lang="ru-RU" smtClean="0"/>
-              <a:t>01.12.2023</a:t>
+              <a:t>02.12.2023</a:t>
             </a:fld>
             <a:endParaRPr lang="ru-RU"/>
           </a:p>
@@ -1898,7 +1934,7 @@
           <a:p>
             <a:fld id="{AC47BC63-E68C-4873-8899-D42660F85693}" type="datetimeFigureOut">
               <a:rPr lang="ru-RU" smtClean="0"/>
-              <a:t>01.12.2023</a:t>
+              <a:t>02.12.2023</a:t>
             </a:fld>
             <a:endParaRPr lang="ru-RU"/>
           </a:p>
@@ -2016,7 +2052,7 @@
           <a:p>
             <a:fld id="{AC47BC63-E68C-4873-8899-D42660F85693}" type="datetimeFigureOut">
               <a:rPr lang="ru-RU" smtClean="0"/>
-              <a:t>01.12.2023</a:t>
+              <a:t>02.12.2023</a:t>
             </a:fld>
             <a:endParaRPr lang="ru-RU"/>
           </a:p>
@@ -2111,7 +2147,7 @@
           <a:p>
             <a:fld id="{AC47BC63-E68C-4873-8899-D42660F85693}" type="datetimeFigureOut">
               <a:rPr lang="ru-RU" smtClean="0"/>
-              <a:t>01.12.2023</a:t>
+              <a:t>02.12.2023</a:t>
             </a:fld>
             <a:endParaRPr lang="ru-RU"/>
           </a:p>
@@ -2398,7 +2434,7 @@
           <a:p>
             <a:fld id="{AC47BC63-E68C-4873-8899-D42660F85693}" type="datetimeFigureOut">
               <a:rPr lang="ru-RU" smtClean="0"/>
-              <a:t>01.12.2023</a:t>
+              <a:t>02.12.2023</a:t>
             </a:fld>
             <a:endParaRPr lang="ru-RU"/>
           </a:p>
@@ -2720,7 +2756,7 @@
           <a:p>
             <a:fld id="{AC47BC63-E68C-4873-8899-D42660F85693}" type="datetimeFigureOut">
               <a:rPr lang="ru-RU" smtClean="0"/>
-              <a:t>01.12.2023</a:t>
+              <a:t>02.12.2023</a:t>
             </a:fld>
             <a:endParaRPr lang="ru-RU"/>
           </a:p>
@@ -2974,7 +3010,7 @@
           <a:p>
             <a:fld id="{AC47BC63-E68C-4873-8899-D42660F85693}" type="datetimeFigureOut">
               <a:rPr lang="ru-RU" smtClean="0"/>
-              <a:t>01.12.2023</a:t>
+              <a:t>02.12.2023</a:t>
             </a:fld>
             <a:endParaRPr lang="ru-RU"/>
           </a:p>
@@ -3587,7 +3623,7 @@
         </p:nvSpPr>
         <p:spPr>
           <a:xfrm>
-            <a:off x="7563678" y="3806414"/>
+            <a:off x="7563677" y="3420442"/>
             <a:ext cx="4512365" cy="2677656"/>
           </a:xfrm>
           <a:prstGeom prst="rect">
@@ -3615,7 +3651,18 @@
                 <a:ea typeface="Tahoma" panose="020B0604030504040204" pitchFamily="34" charset="0"/>
                 <a:cs typeface="Tahoma" panose="020B0604030504040204" pitchFamily="34" charset="0"/>
               </a:rPr>
-              <a:t>Плотников Егор Дмитриевич </a:t>
+              <a:t>Плотников </a:t>
+            </a:r>
+            <a:r>
+              <a:rPr lang="ru-RU" sz="2000" b="1" dirty="0" smtClean="0">
+                <a:solidFill>
+                  <a:srgbClr val="1F2E41"/>
+                </a:solidFill>
+                <a:latin typeface="Century Gothic" panose="020B0502020202020204" pitchFamily="34" charset="0"/>
+                <a:ea typeface="Tahoma" panose="020B0604030504040204" pitchFamily="34" charset="0"/>
+                <a:cs typeface="Tahoma" panose="020B0604030504040204" pitchFamily="34" charset="0"/>
+              </a:rPr>
+              <a:t>Егор Дмитриевич </a:t>
             </a:r>
           </a:p>
           <a:p>
@@ -3743,7 +3790,7 @@
         </p:nvSpPr>
         <p:spPr>
           <a:xfrm>
-            <a:off x="556591" y="365760"/>
+            <a:off x="401315" y="253616"/>
             <a:ext cx="11231218" cy="826936"/>
           </a:xfrm>
           <a:prstGeom prst="rect">
@@ -3796,7 +3843,23 @@
                   <a:srgbClr val="1F2E41"/>
                 </a:solidFill>
               </a:rPr>
-              <a:t>Важность признаков</a:t>
+              <a:t>Важность </a:t>
+            </a:r>
+            <a:r>
+              <a:rPr lang="ru-RU" smtClean="0">
+                <a:solidFill>
+                  <a:srgbClr val="1F2E41"/>
+                </a:solidFill>
+              </a:rPr>
+              <a:t>признаков </a:t>
+            </a:r>
+            <a:r>
+              <a:rPr lang="en-US" smtClean="0">
+                <a:solidFill>
+                  <a:srgbClr val="1F2E41"/>
+                </a:solidFill>
+              </a:rPr>
+              <a:t>target2</a:t>
             </a:r>
             <a:endParaRPr lang="ru-RU" dirty="0">
               <a:solidFill>
@@ -3808,7 +3871,276 @@
       </p:sp>
       <p:pic>
         <p:nvPicPr>
-          <p:cNvPr id="10242" name="Picture 2" descr="https://cdn.discordapp.com/attachments/1157276947357913109/1180083530005487626/image.png"/>
+          <p:cNvPr id="4" name="Рисунок 3"/>
+          <p:cNvPicPr>
+            <a:picLocks noChangeAspect="1"/>
+          </p:cNvPicPr>
+          <p:nvPr/>
+        </p:nvPicPr>
+        <p:blipFill>
+          <a:blip r:embed="rId2"/>
+          <a:stretch>
+            <a:fillRect/>
+          </a:stretch>
+        </p:blipFill>
+        <p:spPr>
+          <a:xfrm>
+            <a:off x="629858" y="1080552"/>
+            <a:ext cx="10898349" cy="5501402"/>
+          </a:xfrm>
+          <a:prstGeom prst="rect">
+            <a:avLst/>
+          </a:prstGeom>
+        </p:spPr>
+      </p:pic>
+    </p:spTree>
+    <p:extLst>
+      <p:ext uri="{BB962C8B-B14F-4D97-AF65-F5344CB8AC3E}">
+        <p14:creationId xmlns:p14="http://schemas.microsoft.com/office/powerpoint/2010/main" val="1686165262"/>
+      </p:ext>
+    </p:extLst>
+  </p:cSld>
+  <p:clrMapOvr>
+    <a:masterClrMapping/>
+  </p:clrMapOvr>
+</p:sld>
+</file>
+
+<file path=ppt/slides/slide11.xml><?xml version="1.0" encoding="utf-8"?>
+<p:sld xmlns:a="http://schemas.openxmlformats.org/drawingml/2006/main" xmlns:r="http://schemas.openxmlformats.org/officeDocument/2006/relationships" xmlns:p="http://schemas.openxmlformats.org/presentationml/2006/main">
+  <p:cSld>
+    <p:bg>
+      <p:bgPr>
+        <a:solidFill>
+          <a:schemeClr val="tx1"/>
+        </a:solidFill>
+        <a:effectLst/>
+      </p:bgPr>
+    </p:bg>
+    <p:spTree>
+      <p:nvGrpSpPr>
+        <p:cNvPr id="1" name=""/>
+        <p:cNvGrpSpPr/>
+        <p:nvPr/>
+      </p:nvGrpSpPr>
+      <p:grpSpPr>
+        <a:xfrm>
+          <a:off x="0" y="0"/>
+          <a:ext cx="0" cy="0"/>
+          <a:chOff x="0" y="0"/>
+          <a:chExt cx="0" cy="0"/>
+        </a:xfrm>
+      </p:grpSpPr>
+      <p:sp>
+        <p:nvSpPr>
+          <p:cNvPr id="6" name="Заголовок 1"/>
+          <p:cNvSpPr txBox="1">
+            <a:spLocks/>
+          </p:cNvSpPr>
+          <p:nvPr/>
+        </p:nvSpPr>
+        <p:spPr>
+          <a:xfrm>
+            <a:off x="631134" y="166978"/>
+            <a:ext cx="11012557" cy="826936"/>
+          </a:xfrm>
+          <a:prstGeom prst="rect">
+            <a:avLst/>
+          </a:prstGeom>
+        </p:spPr>
+        <p:txBody>
+          <a:bodyPr vert="horz" lIns="91440" tIns="45720" rIns="91440" bIns="45720" rtlCol="0" anchor="b">
+            <a:normAutofit fontScale="77500" lnSpcReduction="20000"/>
+          </a:bodyPr>
+          <a:lstStyle>
+            <a:lvl1pPr algn="l" defTabSz="914400" rtl="0" eaLnBrk="1" latinLnBrk="0" hangingPunct="1">
+              <a:lnSpc>
+                <a:spcPct val="90000"/>
+              </a:lnSpc>
+              <a:spcBef>
+                <a:spcPct val="0"/>
+              </a:spcBef>
+              <a:buNone/>
+              <a:defRPr sz="4400" kern="1200" spc="-50" baseline="0">
+                <a:solidFill>
+                  <a:schemeClr val="tx1"/>
+                </a:solidFill>
+                <a:latin typeface="+mj-lt"/>
+                <a:ea typeface="+mj-ea"/>
+                <a:cs typeface="+mj-cs"/>
+              </a:defRPr>
+            </a:lvl1pPr>
+          </a:lstStyle>
+          <a:p>
+            <a:r>
+              <a:rPr lang="ru-RU" dirty="0" smtClean="0">
+                <a:solidFill>
+                  <a:srgbClr val="1F2E41"/>
+                </a:solidFill>
+              </a:rPr>
+              <a:t>Второй этап: </a:t>
+            </a:r>
+            <a:r>
+              <a:rPr lang="en-US" dirty="0" smtClean="0">
+                <a:solidFill>
+                  <a:srgbClr val="1F2E41"/>
+                </a:solidFill>
+              </a:rPr>
+              <a:t>ROC </a:t>
+            </a:r>
+            <a:r>
+              <a:rPr lang="ru-RU" dirty="0" smtClean="0">
+                <a:solidFill>
+                  <a:srgbClr val="1F2E41"/>
+                </a:solidFill>
+              </a:rPr>
+              <a:t>кривые интерпретируемой модели</a:t>
+            </a:r>
+            <a:endParaRPr lang="ru-RU" dirty="0">
+              <a:solidFill>
+                <a:srgbClr val="1F2E41"/>
+              </a:solidFill>
+            </a:endParaRPr>
+          </a:p>
+        </p:txBody>
+      </p:sp>
+      <p:sp>
+        <p:nvSpPr>
+          <p:cNvPr id="3" name="Прямоугольник 2"/>
+          <p:cNvSpPr/>
+          <p:nvPr/>
+        </p:nvSpPr>
+        <p:spPr>
+          <a:xfrm>
+            <a:off x="631134" y="1148042"/>
+            <a:ext cx="9745318" cy="646331"/>
+          </a:xfrm>
+          <a:prstGeom prst="rect">
+            <a:avLst/>
+          </a:prstGeom>
+        </p:spPr>
+        <p:txBody>
+          <a:bodyPr wrap="square">
+            <a:spAutoFit/>
+          </a:bodyPr>
+          <a:lstStyle/>
+          <a:p>
+            <a:r>
+              <a:rPr lang="ru-RU" dirty="0" smtClean="0">
+                <a:solidFill>
+                  <a:srgbClr val="1F2E41"/>
+                </a:solidFill>
+              </a:rPr>
+              <a:t>В нашем случае как интерпретируемая модель была выбрана </a:t>
+            </a:r>
+            <a:r>
+              <a:rPr lang="en-US" smtClean="0">
+                <a:solidFill>
+                  <a:srgbClr val="1F2E41"/>
+                </a:solidFill>
+                <a:latin typeface="Cooper Black" panose="0208090404030B020404" pitchFamily="18" charset="0"/>
+              </a:rPr>
+              <a:t>DecisionTreeClassifier</a:t>
+            </a:r>
+            <a:endParaRPr lang="ru-RU" smtClean="0">
+              <a:solidFill>
+                <a:srgbClr val="1F2E41"/>
+              </a:solidFill>
+              <a:latin typeface="Cooper Black" panose="0208090404030B020404" pitchFamily="18" charset="0"/>
+            </a:endParaRPr>
+          </a:p>
+          <a:p>
+            <a:r>
+              <a:rPr lang="ru-RU" dirty="0" smtClean="0">
+                <a:solidFill>
+                  <a:srgbClr val="1F2E41"/>
+                </a:solidFill>
+              </a:rPr>
+              <a:t>Полученные результаты: </a:t>
+            </a:r>
+            <a:r>
+              <a:rPr lang="ru-RU" b="1" dirty="0" smtClean="0">
+                <a:solidFill>
+                  <a:srgbClr val="1F2E41"/>
+                </a:solidFill>
+              </a:rPr>
+              <a:t>ROC_AUC</a:t>
+            </a:r>
+            <a:r>
+              <a:rPr lang="ru-RU" dirty="0" smtClean="0">
+                <a:solidFill>
+                  <a:srgbClr val="1F2E41"/>
+                </a:solidFill>
+              </a:rPr>
+              <a:t> </a:t>
+            </a:r>
+            <a:r>
+              <a:rPr lang="ru-RU" dirty="0">
+                <a:solidFill>
+                  <a:srgbClr val="1F2E41"/>
+                </a:solidFill>
+              </a:rPr>
+              <a:t>равный </a:t>
+            </a:r>
+            <a:r>
+              <a:rPr lang="ru-RU" b="1" dirty="0">
+                <a:solidFill>
+                  <a:srgbClr val="1F2E41"/>
+                </a:solidFill>
+              </a:rPr>
+              <a:t>0.76</a:t>
+            </a:r>
+            <a:r>
+              <a:rPr lang="ru-RU" dirty="0">
+                <a:solidFill>
+                  <a:srgbClr val="1F2E41"/>
+                </a:solidFill>
+              </a:rPr>
+              <a:t>, и </a:t>
+            </a:r>
+            <a:r>
+              <a:rPr lang="ru-RU" b="1" dirty="0">
+                <a:solidFill>
+                  <a:srgbClr val="1F2E41"/>
+                </a:solidFill>
+              </a:rPr>
+              <a:t>RECALL</a:t>
+            </a:r>
+            <a:r>
+              <a:rPr lang="ru-RU" dirty="0">
+                <a:solidFill>
+                  <a:srgbClr val="1F2E41"/>
+                </a:solidFill>
+              </a:rPr>
+              <a:t> равный </a:t>
+            </a:r>
+            <a:r>
+              <a:rPr lang="ru-RU" b="1" dirty="0" smtClean="0">
+                <a:solidFill>
+                  <a:srgbClr val="1F2E41"/>
+                </a:solidFill>
+              </a:rPr>
+              <a:t>0,58</a:t>
+            </a:r>
+            <a:r>
+              <a:rPr lang="ru-RU" dirty="0" smtClean="0">
+                <a:solidFill>
+                  <a:srgbClr val="1F2E41"/>
+                </a:solidFill>
+              </a:rPr>
+              <a:t>.</a:t>
+            </a:r>
+            <a:endParaRPr lang="ru-RU" dirty="0">
+              <a:solidFill>
+                <a:srgbClr val="1F2E41"/>
+              </a:solidFill>
+            </a:endParaRPr>
+          </a:p>
+        </p:txBody>
+      </p:sp>
+      <p:pic>
+        <p:nvPicPr>
+          <p:cNvPr id="9218" name="Picture 2" descr="https://cdn.discordapp.com/attachments/1157276947357913109/1180077041404629033/c32a37e234706d71.png?ex=657c1b63&amp;is=6569a663&amp;hm=f5626b5268aa3b55eb64c549c8c6556e3b7963a220d37c5b626442a2c7af1120&amp;"/>
           <p:cNvPicPr>
             <a:picLocks noChangeAspect="1" noChangeArrowheads="1"/>
           </p:cNvPicPr>
@@ -3829,8 +4161,8 @@
         </p:blipFill>
         <p:spPr bwMode="auto">
           <a:xfrm>
-            <a:off x="811557" y="1192696"/>
-            <a:ext cx="3282299" cy="5542102"/>
+            <a:off x="3002273" y="1987826"/>
+            <a:ext cx="6270280" cy="4424210"/>
           </a:xfrm>
           <a:prstGeom prst="rect">
             <a:avLst/>
@@ -3847,16 +4179,127 @@
           </a:extLst>
         </p:spPr>
       </p:pic>
+    </p:spTree>
+    <p:extLst>
+      <p:ext uri="{BB962C8B-B14F-4D97-AF65-F5344CB8AC3E}">
+        <p14:creationId xmlns:p14="http://schemas.microsoft.com/office/powerpoint/2010/main" val="3830586864"/>
+      </p:ext>
+    </p:extLst>
+  </p:cSld>
+  <p:clrMapOvr>
+    <a:masterClrMapping/>
+  </p:clrMapOvr>
+</p:sld>
+</file>
+
+<file path=ppt/slides/slide12.xml><?xml version="1.0" encoding="utf-8"?>
+<p:sld xmlns:a="http://schemas.openxmlformats.org/drawingml/2006/main" xmlns:r="http://schemas.openxmlformats.org/officeDocument/2006/relationships" xmlns:p="http://schemas.openxmlformats.org/presentationml/2006/main">
+  <p:cSld>
+    <p:bg>
+      <p:bgPr>
+        <a:solidFill>
+          <a:schemeClr val="tx1"/>
+        </a:solidFill>
+        <a:effectLst/>
+      </p:bgPr>
+    </p:bg>
+    <p:spTree>
+      <p:nvGrpSpPr>
+        <p:cNvPr id="1" name=""/>
+        <p:cNvGrpSpPr/>
+        <p:nvPr/>
+      </p:nvGrpSpPr>
+      <p:grpSpPr>
+        <a:xfrm>
+          <a:off x="0" y="0"/>
+          <a:ext cx="0" cy="0"/>
+          <a:chOff x="0" y="0"/>
+          <a:chExt cx="0" cy="0"/>
+        </a:xfrm>
+      </p:grpSpPr>
+      <p:sp>
+        <p:nvSpPr>
+          <p:cNvPr id="6" name="Заголовок 1"/>
+          <p:cNvSpPr txBox="1">
+            <a:spLocks/>
+          </p:cNvSpPr>
+          <p:nvPr/>
+        </p:nvSpPr>
+        <p:spPr>
+          <a:xfrm>
+            <a:off x="785190" y="233238"/>
+            <a:ext cx="10774018" cy="826936"/>
+          </a:xfrm>
+          <a:prstGeom prst="rect">
+            <a:avLst/>
+          </a:prstGeom>
+        </p:spPr>
+        <p:txBody>
+          <a:bodyPr vert="horz" lIns="91440" tIns="45720" rIns="91440" bIns="45720" rtlCol="0" anchor="b">
+            <a:normAutofit/>
+          </a:bodyPr>
+          <a:lstStyle>
+            <a:lvl1pPr algn="l" defTabSz="914400" rtl="0" eaLnBrk="1" latinLnBrk="0" hangingPunct="1">
+              <a:lnSpc>
+                <a:spcPct val="90000"/>
+              </a:lnSpc>
+              <a:spcBef>
+                <a:spcPct val="0"/>
+              </a:spcBef>
+              <a:buNone/>
+              <a:defRPr sz="4400" kern="1200" spc="-50" baseline="0">
+                <a:solidFill>
+                  <a:schemeClr val="tx1"/>
+                </a:solidFill>
+                <a:latin typeface="+mj-lt"/>
+                <a:ea typeface="+mj-ea"/>
+                <a:cs typeface="+mj-cs"/>
+              </a:defRPr>
+            </a:lvl1pPr>
+          </a:lstStyle>
+          <a:p>
+            <a:r>
+              <a:rPr lang="ru-RU" dirty="0" smtClean="0">
+                <a:solidFill>
+                  <a:srgbClr val="1F2E41"/>
+                </a:solidFill>
+              </a:rPr>
+              <a:t>Второй этап:</a:t>
+            </a:r>
+            <a:r>
+              <a:rPr lang="ru-RU" dirty="0">
+                <a:solidFill>
+                  <a:srgbClr val="1F2E41"/>
+                </a:solidFill>
+              </a:rPr>
+              <a:t> </a:t>
+            </a:r>
+            <a:r>
+              <a:rPr lang="ru-RU" dirty="0" smtClean="0">
+                <a:solidFill>
+                  <a:srgbClr val="1F2E41"/>
+                </a:solidFill>
+              </a:rPr>
+              <a:t>Интерпретируемая модель</a:t>
+            </a:r>
+            <a:endParaRPr lang="ru-RU" dirty="0">
+              <a:solidFill>
+                <a:srgbClr val="1F2E41"/>
+              </a:solidFill>
+            </a:endParaRPr>
+          </a:p>
+        </p:txBody>
+      </p:sp>
       <p:pic>
         <p:nvPicPr>
-          <p:cNvPr id="10244" name="Picture 4" descr="https://cdn.discordapp.com/attachments/1157276947357913109/1180083622418599936/image.png"/>
+          <p:cNvPr id="7" name="Picture 2" descr="https://cdn.discordapp.com/attachments/1157276947357913109/1179400361237291018/image.png?ex=6579a52e&amp;is=6567302e&amp;hm=405b0754fb0f59311962d9f15d7de51298c084dd969d2fb1e62796dc5f7c802e&amp;"/>
           <p:cNvPicPr>
             <a:picLocks noChangeAspect="1" noChangeArrowheads="1"/>
           </p:cNvPicPr>
           <p:nvPr/>
         </p:nvPicPr>
         <p:blipFill>
-          <a:blip r:embed="rId3">
+          <a:blip r:embed="rId2">
             <a:extLst>
               <a:ext uri="{28A0092B-C50C-407E-A947-70E740481C1C}">
                 <a14:useLocalDpi xmlns:a14="http://schemas.microsoft.com/office/drawing/2010/main" val="0"/>
@@ -3870,8 +4313,8 @@
         </p:blipFill>
         <p:spPr bwMode="auto">
           <a:xfrm>
-            <a:off x="4875419" y="1192696"/>
-            <a:ext cx="2972079" cy="5542102"/>
+            <a:off x="1352150" y="1313867"/>
+            <a:ext cx="9640097" cy="4825204"/>
           </a:xfrm>
           <a:prstGeom prst="rect">
             <a:avLst/>
@@ -3891,7 +4334,490 @@
     </p:spTree>
     <p:extLst>
       <p:ext uri="{BB962C8B-B14F-4D97-AF65-F5344CB8AC3E}">
-        <p14:creationId xmlns:p14="http://schemas.microsoft.com/office/powerpoint/2010/main" val="1086905200"/>
+        <p14:creationId xmlns:p14="http://schemas.microsoft.com/office/powerpoint/2010/main" val="2050073316"/>
+      </p:ext>
+    </p:extLst>
+  </p:cSld>
+  <p:clrMapOvr>
+    <a:masterClrMapping/>
+  </p:clrMapOvr>
+</p:sld>
+</file>
+
+<file path=ppt/slides/slide13.xml><?xml version="1.0" encoding="utf-8"?>
+<p:sld xmlns:a="http://schemas.openxmlformats.org/drawingml/2006/main" xmlns:r="http://schemas.openxmlformats.org/officeDocument/2006/relationships" xmlns:p="http://schemas.openxmlformats.org/presentationml/2006/main">
+  <p:cSld>
+    <p:bg>
+      <p:bgPr>
+        <a:solidFill>
+          <a:schemeClr val="bg1"/>
+        </a:solidFill>
+        <a:effectLst/>
+      </p:bgPr>
+    </p:bg>
+    <p:spTree>
+      <p:nvGrpSpPr>
+        <p:cNvPr id="1" name=""/>
+        <p:cNvGrpSpPr/>
+        <p:nvPr/>
+      </p:nvGrpSpPr>
+      <p:grpSpPr>
+        <a:xfrm>
+          <a:off x="0" y="0"/>
+          <a:ext cx="0" cy="0"/>
+          <a:chOff x="0" y="0"/>
+          <a:chExt cx="0" cy="0"/>
+        </a:xfrm>
+      </p:grpSpPr>
+      <p:pic>
+        <p:nvPicPr>
+          <p:cNvPr id="2" name="Рисунок 1"/>
+          <p:cNvPicPr>
+            <a:picLocks noChangeAspect="1"/>
+          </p:cNvPicPr>
+          <p:nvPr/>
+        </p:nvPicPr>
+        <p:blipFill>
+          <a:blip r:embed="rId2"/>
+          <a:stretch>
+            <a:fillRect/>
+          </a:stretch>
+        </p:blipFill>
+        <p:spPr>
+          <a:xfrm>
+            <a:off x="157554" y="490329"/>
+            <a:ext cx="11051330" cy="5738191"/>
+          </a:xfrm>
+          <a:prstGeom prst="rect">
+            <a:avLst/>
+          </a:prstGeom>
+          <a:ln>
+            <a:noFill/>
+          </a:ln>
+          <a:effectLst>
+            <a:outerShdw blurRad="292100" dist="139700" dir="2700000" algn="tl" rotWithShape="0">
+              <a:srgbClr val="333333">
+                <a:alpha val="65000"/>
+              </a:srgbClr>
+            </a:outerShdw>
+          </a:effectLst>
+        </p:spPr>
+      </p:pic>
+    </p:spTree>
+    <p:extLst>
+      <p:ext uri="{BB962C8B-B14F-4D97-AF65-F5344CB8AC3E}">
+        <p14:creationId xmlns:p14="http://schemas.microsoft.com/office/powerpoint/2010/main" val="1739719176"/>
+      </p:ext>
+    </p:extLst>
+  </p:cSld>
+  <p:clrMapOvr>
+    <a:masterClrMapping/>
+  </p:clrMapOvr>
+</p:sld>
+</file>
+
+<file path=ppt/slides/slide14.xml><?xml version="1.0" encoding="utf-8"?>
+<p:sld xmlns:a="http://schemas.openxmlformats.org/drawingml/2006/main" xmlns:r="http://schemas.openxmlformats.org/officeDocument/2006/relationships" xmlns:p="http://schemas.openxmlformats.org/presentationml/2006/main">
+  <p:cSld>
+    <p:bg>
+      <p:bgPr>
+        <a:solidFill>
+          <a:schemeClr val="bg1"/>
+        </a:solidFill>
+        <a:effectLst/>
+      </p:bgPr>
+    </p:bg>
+    <p:spTree>
+      <p:nvGrpSpPr>
+        <p:cNvPr id="1" name=""/>
+        <p:cNvGrpSpPr/>
+        <p:nvPr/>
+      </p:nvGrpSpPr>
+      <p:grpSpPr>
+        <a:xfrm>
+          <a:off x="0" y="0"/>
+          <a:ext cx="0" cy="0"/>
+          <a:chOff x="0" y="0"/>
+          <a:chExt cx="0" cy="0"/>
+        </a:xfrm>
+      </p:grpSpPr>
+      <p:pic>
+        <p:nvPicPr>
+          <p:cNvPr id="3" name="Рисунок 2"/>
+          <p:cNvPicPr>
+            <a:picLocks noChangeAspect="1"/>
+          </p:cNvPicPr>
+          <p:nvPr/>
+        </p:nvPicPr>
+        <p:blipFill>
+          <a:blip r:embed="rId2"/>
+          <a:stretch>
+            <a:fillRect/>
+          </a:stretch>
+        </p:blipFill>
+        <p:spPr>
+          <a:xfrm>
+            <a:off x="132522" y="660738"/>
+            <a:ext cx="11030719" cy="5726810"/>
+          </a:xfrm>
+          <a:prstGeom prst="rect">
+            <a:avLst/>
+          </a:prstGeom>
+          <a:solidFill>
+            <a:srgbClr val="FFFFFF">
+              <a:shade val="85000"/>
+            </a:srgbClr>
+          </a:solidFill>
+          <a:ln w="88900" cap="sq">
+            <a:solidFill>
+              <a:srgbClr val="FFFFFF"/>
+            </a:solidFill>
+            <a:miter lim="800000"/>
+          </a:ln>
+          <a:effectLst>
+            <a:outerShdw blurRad="55000" dist="18000" dir="5400000" algn="tl" rotWithShape="0">
+              <a:srgbClr val="000000">
+                <a:alpha val="40000"/>
+              </a:srgbClr>
+            </a:outerShdw>
+          </a:effectLst>
+          <a:scene3d>
+            <a:camera prst="orthographicFront"/>
+            <a:lightRig rig="twoPt" dir="t">
+              <a:rot lat="0" lon="0" rev="7200000"/>
+            </a:lightRig>
+          </a:scene3d>
+          <a:sp3d>
+            <a:bevelT w="25400" h="19050"/>
+            <a:contourClr>
+              <a:srgbClr val="FFFFFF"/>
+            </a:contourClr>
+          </a:sp3d>
+        </p:spPr>
+      </p:pic>
+    </p:spTree>
+    <p:extLst>
+      <p:ext uri="{BB962C8B-B14F-4D97-AF65-F5344CB8AC3E}">
+        <p14:creationId xmlns:p14="http://schemas.microsoft.com/office/powerpoint/2010/main" val="217488782"/>
+      </p:ext>
+    </p:extLst>
+  </p:cSld>
+  <p:clrMapOvr>
+    <a:masterClrMapping/>
+  </p:clrMapOvr>
+</p:sld>
+</file>
+
+<file path=ppt/slides/slide15.xml><?xml version="1.0" encoding="utf-8"?>
+<p:sld xmlns:a="http://schemas.openxmlformats.org/drawingml/2006/main" xmlns:r="http://schemas.openxmlformats.org/officeDocument/2006/relationships" xmlns:p="http://schemas.openxmlformats.org/presentationml/2006/main">
+  <p:cSld>
+    <p:bg>
+      <p:bgPr>
+        <a:solidFill>
+          <a:schemeClr val="bg1"/>
+        </a:solidFill>
+        <a:effectLst/>
+      </p:bgPr>
+    </p:bg>
+    <p:spTree>
+      <p:nvGrpSpPr>
+        <p:cNvPr id="1" name=""/>
+        <p:cNvGrpSpPr/>
+        <p:nvPr/>
+      </p:nvGrpSpPr>
+      <p:grpSpPr>
+        <a:xfrm>
+          <a:off x="0" y="0"/>
+          <a:ext cx="0" cy="0"/>
+          <a:chOff x="0" y="0"/>
+          <a:chExt cx="0" cy="0"/>
+        </a:xfrm>
+      </p:grpSpPr>
+      <p:pic>
+        <p:nvPicPr>
+          <p:cNvPr id="2" name="Picture 2" descr="https://cdn.discordapp.com/attachments/1157276947357913109/1178993440281874502/image.png"/>
+          <p:cNvPicPr>
+            <a:picLocks noChangeAspect="1" noChangeArrowheads="1"/>
+          </p:cNvPicPr>
+          <p:nvPr/>
+        </p:nvPicPr>
+        <p:blipFill>
+          <a:blip r:embed="rId2">
+            <a:extLst>
+              <a:ext uri="{28A0092B-C50C-407E-A947-70E740481C1C}">
+                <a14:useLocalDpi xmlns:a14="http://schemas.microsoft.com/office/drawing/2010/main" val="0"/>
+              </a:ext>
+            </a:extLst>
+          </a:blip>
+          <a:srcRect/>
+          <a:stretch>
+            <a:fillRect/>
+          </a:stretch>
+        </p:blipFill>
+        <p:spPr bwMode="auto">
+          <a:xfrm>
+            <a:off x="119269" y="694705"/>
+            <a:ext cx="11043933" cy="5668568"/>
+          </a:xfrm>
+          <a:prstGeom prst="rect">
+            <a:avLst/>
+          </a:prstGeom>
+          <a:ln>
+            <a:noFill/>
+          </a:ln>
+          <a:effectLst>
+            <a:outerShdw blurRad="292100" dist="139700" dir="2700000" algn="tl" rotWithShape="0">
+              <a:srgbClr val="333333">
+                <a:alpha val="65000"/>
+              </a:srgbClr>
+            </a:outerShdw>
+          </a:effectLst>
+          <a:extLst>
+            <a:ext uri="{909E8E84-426E-40DD-AFC4-6F175D3DCCD1}">
+              <a14:hiddenFill xmlns:a14="http://schemas.microsoft.com/office/drawing/2010/main">
+                <a:solidFill>
+                  <a:srgbClr val="FFFFFF"/>
+                </a:solidFill>
+              </a14:hiddenFill>
+            </a:ext>
+          </a:extLst>
+        </p:spPr>
+      </p:pic>
+    </p:spTree>
+    <p:extLst>
+      <p:ext uri="{BB962C8B-B14F-4D97-AF65-F5344CB8AC3E}">
+        <p14:creationId xmlns:p14="http://schemas.microsoft.com/office/powerpoint/2010/main" val="1601440748"/>
+      </p:ext>
+    </p:extLst>
+  </p:cSld>
+  <p:clrMapOvr>
+    <a:masterClrMapping/>
+  </p:clrMapOvr>
+</p:sld>
+</file>
+
+<file path=ppt/slides/slide16.xml><?xml version="1.0" encoding="utf-8"?>
+<p:sld xmlns:a="http://schemas.openxmlformats.org/drawingml/2006/main" xmlns:r="http://schemas.openxmlformats.org/officeDocument/2006/relationships" xmlns:p="http://schemas.openxmlformats.org/presentationml/2006/main">
+  <p:cSld>
+    <p:spTree>
+      <p:nvGrpSpPr>
+        <p:cNvPr id="1" name=""/>
+        <p:cNvGrpSpPr/>
+        <p:nvPr/>
+      </p:nvGrpSpPr>
+      <p:grpSpPr>
+        <a:xfrm>
+          <a:off x="0" y="0"/>
+          <a:ext cx="0" cy="0"/>
+          <a:chOff x="0" y="0"/>
+          <a:chExt cx="0" cy="0"/>
+        </a:xfrm>
+      </p:grpSpPr>
+      <p:pic>
+        <p:nvPicPr>
+          <p:cNvPr id="4098" name="Picture 2" descr="https://cdn.discordapp.com/attachments/1157276947357913109/1180376731882893353/IMG_20231202_121508_664.jpg"/>
+          <p:cNvPicPr>
+            <a:picLocks noChangeAspect="1" noChangeArrowheads="1"/>
+          </p:cNvPicPr>
+          <p:nvPr/>
+        </p:nvPicPr>
+        <p:blipFill>
+          <a:blip r:embed="rId2">
+            <a:extLst>
+              <a:ext uri="{28A0092B-C50C-407E-A947-70E740481C1C}">
+                <a14:useLocalDpi xmlns:a14="http://schemas.microsoft.com/office/drawing/2010/main" val="0"/>
+              </a:ext>
+            </a:extLst>
+          </a:blip>
+          <a:srcRect/>
+          <a:stretch>
+            <a:fillRect/>
+          </a:stretch>
+        </p:blipFill>
+        <p:spPr bwMode="auto">
+          <a:xfrm>
+            <a:off x="1673824" y="737559"/>
+            <a:ext cx="6900833" cy="5283999"/>
+          </a:xfrm>
+          <a:prstGeom prst="rect">
+            <a:avLst/>
+          </a:prstGeom>
+          <a:noFill/>
+          <a:extLst>
+            <a:ext uri="{909E8E84-426E-40DD-AFC4-6F175D3DCCD1}">
+              <a14:hiddenFill xmlns:a14="http://schemas.microsoft.com/office/drawing/2010/main">
+                <a:solidFill>
+                  <a:srgbClr val="FFFFFF"/>
+                </a:solidFill>
+              </a14:hiddenFill>
+            </a:ext>
+          </a:extLst>
+        </p:spPr>
+      </p:pic>
+    </p:spTree>
+    <p:extLst>
+      <p:ext uri="{BB962C8B-B14F-4D97-AF65-F5344CB8AC3E}">
+        <p14:creationId xmlns:p14="http://schemas.microsoft.com/office/powerpoint/2010/main" val="73398798"/>
+      </p:ext>
+    </p:extLst>
+  </p:cSld>
+  <p:clrMapOvr>
+    <a:masterClrMapping/>
+  </p:clrMapOvr>
+</p:sld>
+</file>
+
+<file path=ppt/slides/slide17.xml><?xml version="1.0" encoding="utf-8"?>
+<p:sld xmlns:a="http://schemas.openxmlformats.org/drawingml/2006/main" xmlns:r="http://schemas.openxmlformats.org/officeDocument/2006/relationships" xmlns:p="http://schemas.openxmlformats.org/presentationml/2006/main">
+  <p:cSld>
+    <p:spTree>
+      <p:nvGrpSpPr>
+        <p:cNvPr id="1" name=""/>
+        <p:cNvGrpSpPr/>
+        <p:nvPr/>
+      </p:nvGrpSpPr>
+      <p:grpSpPr>
+        <a:xfrm>
+          <a:off x="0" y="0"/>
+          <a:ext cx="0" cy="0"/>
+          <a:chOff x="0" y="0"/>
+          <a:chExt cx="0" cy="0"/>
+        </a:xfrm>
+      </p:grpSpPr>
+      <p:sp>
+        <p:nvSpPr>
+          <p:cNvPr id="2" name="Заголовок 1"/>
+          <p:cNvSpPr>
+            <a:spLocks noGrp="1"/>
+          </p:cNvSpPr>
+          <p:nvPr>
+            <p:ph type="title"/>
+          </p:nvPr>
+        </p:nvSpPr>
+        <p:spPr>
+          <a:xfrm>
+            <a:off x="3253193" y="215659"/>
+            <a:ext cx="4612717" cy="992583"/>
+          </a:xfrm>
+        </p:spPr>
+        <p:txBody>
+          <a:bodyPr/>
+          <a:lstStyle/>
+          <a:p>
+            <a:pPr algn="ctr"/>
+            <a:r>
+              <a:rPr lang="ru-RU" dirty="0" smtClean="0">
+                <a:solidFill>
+                  <a:srgbClr val="1F2E41"/>
+                </a:solidFill>
+              </a:rPr>
+              <a:t>Бизнес инсайты</a:t>
+            </a:r>
+            <a:endParaRPr lang="ru-RU" dirty="0">
+              <a:solidFill>
+                <a:srgbClr val="1F2E41"/>
+              </a:solidFill>
+            </a:endParaRPr>
+          </a:p>
+        </p:txBody>
+      </p:sp>
+      <p:sp>
+        <p:nvSpPr>
+          <p:cNvPr id="3" name="Объект 2"/>
+          <p:cNvSpPr>
+            <a:spLocks noGrp="1"/>
+          </p:cNvSpPr>
+          <p:nvPr>
+            <p:ph idx="1"/>
+          </p:nvPr>
+        </p:nvSpPr>
+        <p:spPr>
+          <a:xfrm>
+            <a:off x="733245" y="1656272"/>
+            <a:ext cx="9123987" cy="4523865"/>
+          </a:xfrm>
+        </p:spPr>
+        <p:txBody>
+          <a:bodyPr/>
+          <a:lstStyle/>
+          <a:p>
+            <a:r>
+              <a:rPr lang="ru-RU" dirty="0" smtClean="0"/>
+              <a:t>Исходя из данных можно сделать вывод, что в некоторых филиалах</a:t>
+            </a:r>
+            <a:r>
+              <a:rPr lang="en-US" dirty="0" smtClean="0"/>
+              <a:t> </a:t>
+            </a:r>
+            <a:r>
+              <a:rPr lang="ru-RU" dirty="0" smtClean="0"/>
+              <a:t>(</a:t>
+            </a:r>
+            <a:r>
+              <a:rPr lang="en-US" b="1" dirty="0" smtClean="0"/>
+              <a:t>branch_code</a:t>
+            </a:r>
+            <a:r>
+              <a:rPr lang="ru-RU" dirty="0" smtClean="0"/>
+              <a:t>) отток клиентов больше, чем в других</a:t>
+            </a:r>
+          </a:p>
+          <a:p>
+            <a:r>
+              <a:rPr lang="ru-RU" dirty="0" smtClean="0"/>
+              <a:t>Исходя из графиков для некоторых категорий </a:t>
+            </a:r>
+            <a:r>
+              <a:rPr lang="en-US" b="1" dirty="0" smtClean="0"/>
+              <a:t>okved</a:t>
+            </a:r>
+            <a:r>
+              <a:rPr lang="ru-RU" dirty="0" smtClean="0"/>
+              <a:t> отток клиентов составляет больший процент</a:t>
+            </a:r>
+          </a:p>
+          <a:p>
+            <a:r>
+              <a:rPr lang="ru-RU" dirty="0" smtClean="0"/>
+              <a:t>Из временных признаков можно сделать вывод, что чем клиент дольше пользуется счётом, тем больше вероятность того что он останется и не закроет счёт</a:t>
+            </a:r>
+          </a:p>
+          <a:p>
+            <a:r>
+              <a:rPr lang="ru-RU" dirty="0" smtClean="0"/>
+              <a:t>Из соотношения признаков </a:t>
+            </a:r>
+            <a:r>
+              <a:rPr lang="en-US" b="1" dirty="0" smtClean="0"/>
+              <a:t>channel_code</a:t>
+            </a:r>
+            <a:r>
+              <a:rPr lang="en-US" dirty="0" smtClean="0"/>
+              <a:t> </a:t>
+            </a:r>
+            <a:r>
+              <a:rPr lang="ru-RU" dirty="0" smtClean="0"/>
+              <a:t>и </a:t>
+            </a:r>
+            <a:r>
+              <a:rPr lang="en-US" b="1" dirty="0" smtClean="0"/>
+              <a:t>segment</a:t>
+            </a:r>
+            <a:r>
+              <a:rPr lang="en-US" dirty="0" smtClean="0"/>
+              <a:t>  </a:t>
+            </a:r>
+            <a:r>
+              <a:rPr lang="ru-RU" dirty="0" smtClean="0"/>
+              <a:t>можно сделать выводы о каналах по которым приходят клиенты из конкретных групп доходности</a:t>
+            </a:r>
+          </a:p>
+        </p:txBody>
+      </p:sp>
+    </p:spTree>
+    <p:extLst>
+      <p:ext uri="{BB962C8B-B14F-4D97-AF65-F5344CB8AC3E}">
+        <p14:creationId xmlns:p14="http://schemas.microsoft.com/office/powerpoint/2010/main" val="3529747960"/>
       </p:ext>
     </p:extLst>
   </p:cSld>
@@ -3991,11 +4917,6 @@
               </a:rPr>
               <a:t>первый: Анализ данных</a:t>
             </a:r>
-            <a:endParaRPr lang="ru-RU" dirty="0">
-              <a:solidFill>
-                <a:srgbClr val="1F2E41"/>
-              </a:solidFill>
-            </a:endParaRPr>
           </a:p>
         </p:txBody>
       </p:sp>
@@ -4101,8 +5022,8 @@
         </p:nvSpPr>
         <p:spPr>
           <a:xfrm>
-            <a:off x="1261872" y="365760"/>
-            <a:ext cx="9692640" cy="826936"/>
+            <a:off x="2293505" y="192826"/>
+            <a:ext cx="8313449" cy="826936"/>
           </a:xfrm>
           <a:prstGeom prst="rect">
             <a:avLst/>
@@ -4132,6 +5053,7 @@
             </a:lvl1pPr>
           </a:lstStyle>
           <a:p>
+            <a:pPr algn="ctr"/>
             <a:r>
               <a:rPr lang="ru-RU" dirty="0">
                 <a:solidFill>
@@ -4156,11 +5078,6 @@
               </a:rPr>
               <a:t>первый: Анализ данных</a:t>
             </a:r>
-            <a:endParaRPr lang="ru-RU" dirty="0">
-              <a:solidFill>
-                <a:srgbClr val="1F2E41"/>
-              </a:solidFill>
-            </a:endParaRPr>
           </a:p>
         </p:txBody>
       </p:sp>
@@ -4187,7 +5104,7 @@
         </p:blipFill>
         <p:spPr bwMode="auto">
           <a:xfrm>
-            <a:off x="1261872" y="2296559"/>
+            <a:off x="2071052" y="3065224"/>
             <a:ext cx="3905250" cy="2667000"/>
           </a:xfrm>
           <a:prstGeom prst="rect">
@@ -4228,7 +5145,7 @@
         </p:blipFill>
         <p:spPr bwMode="auto">
           <a:xfrm>
-            <a:off x="5940149" y="2296559"/>
+            <a:off x="6749329" y="3065224"/>
             <a:ext cx="3857625" cy="2657476"/>
           </a:xfrm>
           <a:prstGeom prst="rect">
@@ -4254,8 +5171,8 @@
         </p:nvSpPr>
         <p:spPr>
           <a:xfrm>
-            <a:off x="1261872" y="1361826"/>
-            <a:ext cx="7845286" cy="369332"/>
+            <a:off x="2071052" y="1935416"/>
+            <a:ext cx="9008563" cy="369332"/>
           </a:xfrm>
           <a:prstGeom prst="rect">
             <a:avLst/>
@@ -4268,6 +5185,14 @@
           <a:lstStyle/>
           <a:p>
             <a:r>
+              <a:rPr lang="ru-RU" dirty="0" smtClean="0">
+                <a:solidFill>
+                  <a:srgbClr val="1F2E41"/>
+                </a:solidFill>
+              </a:rPr>
+              <a:t>Количество </a:t>
+            </a:r>
+            <a:r>
               <a:rPr lang="en-US" dirty="0" smtClean="0">
                 <a:solidFill>
                   <a:srgbClr val="1F2E41"/>
@@ -4276,11 +5201,43 @@
               <a:t>Nan</a:t>
             </a:r>
             <a:r>
+              <a:rPr lang="ru-RU" dirty="0" smtClean="0">
+                <a:solidFill>
+                  <a:srgbClr val="1F2E41"/>
+                </a:solidFill>
+              </a:rPr>
+              <a:t> </a:t>
+            </a:r>
+            <a:r>
+              <a:rPr lang="ru-RU" dirty="0" smtClean="0">
+                <a:solidFill>
+                  <a:srgbClr val="1F2E41"/>
+                </a:solidFill>
+              </a:rPr>
+              <a:t>– </a:t>
+            </a:r>
+            <a:r>
+              <a:rPr lang="ru-RU" dirty="0" smtClean="0">
+                <a:solidFill>
+                  <a:srgbClr val="1F2E41"/>
+                </a:solidFill>
+              </a:rPr>
+              <a:t>значени</a:t>
+            </a:r>
+            <a:r>
               <a:rPr lang="ru-RU" dirty="0">
                 <a:solidFill>
                   <a:srgbClr val="1F2E41"/>
                 </a:solidFill>
               </a:rPr>
+              <a:t>й</a:t>
+            </a:r>
+            <a:r>
+              <a:rPr lang="ru-RU" dirty="0" smtClean="0">
+                <a:solidFill>
+                  <a:srgbClr val="1F2E41"/>
+                </a:solidFill>
+              </a:rPr>
               <a:t> </a:t>
             </a:r>
             <a:r>
@@ -4289,7 +5246,7 @@
                   <a:srgbClr val="1F2E41"/>
                 </a:solidFill>
               </a:rPr>
-              <a:t>– значение в различных признаках в </a:t>
+              <a:t>в различных признаках в </a:t>
             </a:r>
             <a:r>
               <a:rPr lang="en-US" dirty="0" smtClean="0">
@@ -4339,7 +5296,7 @@
         </p:nvSpPr>
         <p:spPr>
           <a:xfrm>
-            <a:off x="5940149" y="1829192"/>
+            <a:off x="6749329" y="2590674"/>
             <a:ext cx="1544016" cy="369332"/>
           </a:xfrm>
           <a:prstGeom prst="rect">
@@ -4376,7 +5333,7 @@
         </p:nvSpPr>
         <p:spPr>
           <a:xfrm>
-            <a:off x="1261872" y="1830448"/>
+            <a:off x="2071052" y="2599113"/>
             <a:ext cx="1544016" cy="369332"/>
           </a:xfrm>
           <a:prstGeom prst="rect">
@@ -4424,7 +5381,7 @@
     <p:bg>
       <p:bgPr>
         <a:solidFill>
-          <a:schemeClr val="bg1"/>
+          <a:schemeClr val="tx1"/>
         </a:solidFill>
         <a:effectLst/>
       </p:bgPr>
@@ -4445,119 +5402,247 @@
       </p:grpSpPr>
       <p:sp>
         <p:nvSpPr>
-          <p:cNvPr id="2" name="Заголовок 1"/>
-          <p:cNvSpPr>
-            <a:spLocks noGrp="1"/>
-          </p:cNvSpPr>
-          <p:nvPr>
-            <p:ph type="title"/>
-          </p:nvPr>
+          <p:cNvPr id="6" name="Заголовок 1"/>
+          <p:cNvSpPr txBox="1">
+            <a:spLocks/>
+          </p:cNvSpPr>
+          <p:nvPr/>
         </p:nvSpPr>
         <p:spPr>
           <a:xfrm>
-            <a:off x="1261872" y="365760"/>
+            <a:off x="1884725" y="211725"/>
             <a:ext cx="9692640" cy="826936"/>
-          </a:xfrm>
-        </p:spPr>
-        <p:txBody>
-          <a:bodyPr/>
-          <a:lstStyle/>
-          <a:p>
-            <a:r>
-              <a:rPr lang="ru-RU" dirty="0" smtClean="0"/>
-              <a:t>Этап</a:t>
-            </a:r>
-            <a:r>
-              <a:rPr lang="en-US" dirty="0" smtClean="0"/>
-              <a:t> </a:t>
-            </a:r>
-            <a:r>
-              <a:rPr lang="ru-RU" dirty="0" smtClean="0"/>
-              <a:t>первый: </a:t>
-            </a:r>
-            <a:r>
-              <a:rPr lang="ru-RU" dirty="0"/>
-              <a:t>Анализ данных</a:t>
-            </a:r>
-          </a:p>
-        </p:txBody>
-      </p:sp>
-      <p:pic>
-        <p:nvPicPr>
-          <p:cNvPr id="6" name="Рисунок 5"/>
-          <p:cNvPicPr>
-            <a:picLocks noChangeAspect="1"/>
-          </p:cNvPicPr>
-          <p:nvPr/>
-        </p:nvPicPr>
-        <p:blipFill>
-          <a:blip r:embed="rId2"/>
-          <a:stretch>
-            <a:fillRect/>
-          </a:stretch>
-        </p:blipFill>
-        <p:spPr>
-          <a:xfrm>
-            <a:off x="0" y="1192696"/>
-            <a:ext cx="5468312" cy="3975591"/>
           </a:xfrm>
           <a:prstGeom prst="rect">
             <a:avLst/>
           </a:prstGeom>
         </p:spPr>
-      </p:pic>
-      <p:pic>
-        <p:nvPicPr>
-          <p:cNvPr id="7" name="Рисунок 6"/>
-          <p:cNvPicPr>
-            <a:picLocks noChangeAspect="1"/>
-          </p:cNvPicPr>
+        <p:txBody>
+          <a:bodyPr vert="horz" lIns="91440" tIns="45720" rIns="91440" bIns="45720" rtlCol="0" anchor="b">
+            <a:normAutofit/>
+          </a:bodyPr>
+          <a:lstStyle>
+            <a:lvl1pPr algn="l" defTabSz="914400" rtl="0" eaLnBrk="1" latinLnBrk="0" hangingPunct="1">
+              <a:lnSpc>
+                <a:spcPct val="90000"/>
+              </a:lnSpc>
+              <a:spcBef>
+                <a:spcPct val="0"/>
+              </a:spcBef>
+              <a:buNone/>
+              <a:defRPr sz="4400" kern="1200" spc="-50" baseline="0">
+                <a:solidFill>
+                  <a:schemeClr val="tx1"/>
+                </a:solidFill>
+                <a:latin typeface="+mj-lt"/>
+                <a:ea typeface="+mj-ea"/>
+                <a:cs typeface="+mj-cs"/>
+              </a:defRPr>
+            </a:lvl1pPr>
+          </a:lstStyle>
+          <a:p>
+            <a:r>
+              <a:rPr lang="ru-RU" dirty="0">
+                <a:solidFill>
+                  <a:srgbClr val="1F2E41"/>
+                </a:solidFill>
+              </a:rPr>
+              <a:t>Этап</a:t>
+            </a:r>
+            <a:r>
+              <a:rPr lang="en-US" dirty="0">
+                <a:solidFill>
+                  <a:srgbClr val="1F2E41"/>
+                </a:solidFill>
+              </a:rPr>
+              <a:t> </a:t>
+            </a:r>
+            <a:r>
+              <a:rPr lang="ru-RU" dirty="0">
+                <a:solidFill>
+                  <a:srgbClr val="1F2E41"/>
+                </a:solidFill>
+              </a:rPr>
+              <a:t>первый: Анализ данных</a:t>
+            </a:r>
+          </a:p>
+        </p:txBody>
+      </p:sp>
+      <p:sp>
+        <p:nvSpPr>
+          <p:cNvPr id="8" name="Прямоугольник 7"/>
+          <p:cNvSpPr/>
           <p:nvPr/>
-        </p:nvPicPr>
-        <p:blipFill>
-          <a:blip r:embed="rId3"/>
-          <a:stretch>
-            <a:fillRect/>
-          </a:stretch>
-        </p:blipFill>
+        </p:nvSpPr>
         <p:spPr>
           <a:xfrm>
-            <a:off x="8525182" y="1122881"/>
-            <a:ext cx="2621288" cy="1930907"/>
+            <a:off x="1884725" y="1200243"/>
+            <a:ext cx="9010437" cy="369332"/>
           </a:xfrm>
           <a:prstGeom prst="rect">
             <a:avLst/>
           </a:prstGeom>
         </p:spPr>
-      </p:pic>
+        <p:txBody>
+          <a:bodyPr wrap="square">
+            <a:spAutoFit/>
+          </a:bodyPr>
+          <a:lstStyle/>
+          <a:p>
+            <a:r>
+              <a:rPr lang="ru-RU" dirty="0" smtClean="0">
+                <a:solidFill>
+                  <a:srgbClr val="1F2E41"/>
+                </a:solidFill>
+              </a:rPr>
+              <a:t>Количество </a:t>
+            </a:r>
+            <a:r>
+              <a:rPr lang="ru-RU" dirty="0" smtClean="0">
+                <a:solidFill>
+                  <a:srgbClr val="1F2E41"/>
+                </a:solidFill>
+              </a:rPr>
+              <a:t>отрицательных </a:t>
+            </a:r>
+            <a:r>
+              <a:rPr lang="ru-RU" dirty="0" smtClean="0">
+                <a:solidFill>
+                  <a:srgbClr val="1F2E41"/>
+                </a:solidFill>
+              </a:rPr>
+              <a:t>значени</a:t>
+            </a:r>
+            <a:r>
+              <a:rPr lang="ru-RU" dirty="0" smtClean="0">
+                <a:solidFill>
+                  <a:srgbClr val="1F2E41"/>
+                </a:solidFill>
+              </a:rPr>
+              <a:t>й</a:t>
+            </a:r>
+            <a:r>
+              <a:rPr lang="ru-RU" dirty="0" smtClean="0">
+                <a:solidFill>
+                  <a:srgbClr val="1F2E41"/>
+                </a:solidFill>
+              </a:rPr>
+              <a:t> </a:t>
+            </a:r>
+            <a:r>
+              <a:rPr lang="ru-RU" dirty="0" smtClean="0">
+                <a:solidFill>
+                  <a:srgbClr val="1F2E41"/>
+                </a:solidFill>
+              </a:rPr>
+              <a:t>в различных признаках в </a:t>
+            </a:r>
+            <a:r>
+              <a:rPr lang="en-US" smtClean="0">
+                <a:solidFill>
+                  <a:srgbClr val="1F2E41"/>
+                </a:solidFill>
+              </a:rPr>
+              <a:t>train</a:t>
+            </a:r>
+            <a:r>
+              <a:rPr lang="ru-RU" smtClean="0">
+                <a:solidFill>
+                  <a:srgbClr val="1F2E41"/>
+                </a:solidFill>
+              </a:rPr>
+              <a:t> выборке</a:t>
+            </a:r>
+            <a:endParaRPr lang="ru-RU" dirty="0">
+              <a:solidFill>
+                <a:srgbClr val="1F2E41"/>
+              </a:solidFill>
+            </a:endParaRPr>
+          </a:p>
+        </p:txBody>
+      </p:sp>
       <p:pic>
         <p:nvPicPr>
-          <p:cNvPr id="5" name="Рисунок 4"/>
+          <p:cNvPr id="3078" name="Picture 6" descr="https://cdn.discordapp.com/attachments/1157276947357913109/1180081823242526760/image.png"/>
           <p:cNvPicPr>
-            <a:picLocks noChangeAspect="1"/>
+            <a:picLocks noChangeAspect="1" noChangeArrowheads="1"/>
           </p:cNvPicPr>
           <p:nvPr/>
         </p:nvPicPr>
-        <p:blipFill>
-          <a:blip r:embed="rId4"/>
-          <a:stretch>
-            <a:fillRect/>
-          </a:stretch>
+        <p:blipFill rotWithShape="1">
+          <a:blip r:embed="rId2">
+            <a:extLst>
+              <a:ext uri="{28A0092B-C50C-407E-A947-70E740481C1C}">
+                <a14:useLocalDpi xmlns:a14="http://schemas.microsoft.com/office/drawing/2010/main" val="0"/>
+              </a:ext>
+            </a:extLst>
+          </a:blip>
+          <a:srcRect t="46317" b="1"/>
+          <a:stretch/>
         </p:blipFill>
-        <p:spPr>
+        <p:spPr bwMode="auto">
           <a:xfrm>
-            <a:off x="5859052" y="3053788"/>
-            <a:ext cx="5015948" cy="3715002"/>
+            <a:off x="6385983" y="1731157"/>
+            <a:ext cx="4376082" cy="4661017"/>
           </a:xfrm>
           <a:prstGeom prst="rect">
             <a:avLst/>
           </a:prstGeom>
+          <a:noFill/>
+          <a:extLst>
+            <a:ext uri="{909E8E84-426E-40DD-AFC4-6F175D3DCCD1}">
+              <a14:hiddenFill xmlns:a14="http://schemas.microsoft.com/office/drawing/2010/main">
+                <a:solidFill>
+                  <a:srgbClr val="FFFFFF"/>
+                </a:solidFill>
+              </a14:hiddenFill>
+            </a:ext>
+          </a:extLst>
+        </p:spPr>
+      </p:pic>
+      <p:pic>
+        <p:nvPicPr>
+          <p:cNvPr id="3080" name="Picture 8" descr="https://cdn.discordapp.com/attachments/1157276947357913109/1180362559342260246/image.png"/>
+          <p:cNvPicPr>
+            <a:picLocks noChangeAspect="1" noChangeArrowheads="1"/>
+          </p:cNvPicPr>
+          <p:nvPr/>
+        </p:nvPicPr>
+        <p:blipFill rotWithShape="1">
+          <a:blip r:embed="rId3">
+            <a:extLst>
+              <a:ext uri="{28A0092B-C50C-407E-A947-70E740481C1C}">
+                <a14:useLocalDpi xmlns:a14="http://schemas.microsoft.com/office/drawing/2010/main" val="0"/>
+              </a:ext>
+            </a:extLst>
+          </a:blip>
+          <a:srcRect b="41881"/>
+          <a:stretch/>
+        </p:blipFill>
+        <p:spPr bwMode="auto">
+          <a:xfrm>
+            <a:off x="1998990" y="1731157"/>
+            <a:ext cx="4117134" cy="4661017"/>
+          </a:xfrm>
+          <a:prstGeom prst="rect">
+            <a:avLst/>
+          </a:prstGeom>
+          <a:noFill/>
+          <a:extLst>
+            <a:ext uri="{909E8E84-426E-40DD-AFC4-6F175D3DCCD1}">
+              <a14:hiddenFill xmlns:a14="http://schemas.microsoft.com/office/drawing/2010/main">
+                <a:solidFill>
+                  <a:srgbClr val="FFFFFF"/>
+                </a:solidFill>
+              </a14:hiddenFill>
+            </a:ext>
+          </a:extLst>
         </p:spPr>
       </p:pic>
     </p:spTree>
     <p:extLst>
       <p:ext uri="{BB962C8B-B14F-4D97-AF65-F5344CB8AC3E}">
-        <p14:creationId xmlns:p14="http://schemas.microsoft.com/office/powerpoint/2010/main" val="2094030960"/>
+        <p14:creationId xmlns:p14="http://schemas.microsoft.com/office/powerpoint/2010/main" val="3828371771"/>
       </p:ext>
     </p:extLst>
   </p:cSld>
@@ -4594,6 +5679,131 @@
       </p:grpSpPr>
       <p:sp>
         <p:nvSpPr>
+          <p:cNvPr id="2" name="Заголовок 1"/>
+          <p:cNvSpPr>
+            <a:spLocks noGrp="1"/>
+          </p:cNvSpPr>
+          <p:nvPr>
+            <p:ph type="title"/>
+          </p:nvPr>
+        </p:nvSpPr>
+        <p:spPr>
+          <a:xfrm>
+            <a:off x="1261872" y="365760"/>
+            <a:ext cx="9692640" cy="826936"/>
+          </a:xfrm>
+        </p:spPr>
+        <p:txBody>
+          <a:bodyPr/>
+          <a:lstStyle/>
+          <a:p>
+            <a:r>
+              <a:rPr lang="ru-RU" dirty="0" smtClean="0"/>
+              <a:t>Этап</a:t>
+            </a:r>
+            <a:r>
+              <a:rPr lang="en-US" dirty="0" smtClean="0"/>
+              <a:t> </a:t>
+            </a:r>
+            <a:r>
+              <a:rPr lang="ru-RU" dirty="0" smtClean="0"/>
+              <a:t>первый: </a:t>
+            </a:r>
+            <a:r>
+              <a:rPr lang="ru-RU" dirty="0"/>
+              <a:t>Анализ данных</a:t>
+            </a:r>
+          </a:p>
+        </p:txBody>
+      </p:sp>
+      <p:pic>
+        <p:nvPicPr>
+          <p:cNvPr id="6" name="Рисунок 5"/>
+          <p:cNvPicPr>
+            <a:picLocks noChangeAspect="1"/>
+          </p:cNvPicPr>
+          <p:nvPr/>
+        </p:nvPicPr>
+        <p:blipFill>
+          <a:blip r:embed="rId2"/>
+          <a:stretch>
+            <a:fillRect/>
+          </a:stretch>
+        </p:blipFill>
+        <p:spPr>
+          <a:xfrm>
+            <a:off x="0" y="1616765"/>
+            <a:ext cx="5468312" cy="3975591"/>
+          </a:xfrm>
+          <a:prstGeom prst="rect">
+            <a:avLst/>
+          </a:prstGeom>
+        </p:spPr>
+      </p:pic>
+      <p:pic>
+        <p:nvPicPr>
+          <p:cNvPr id="3" name="Рисунок 2"/>
+          <p:cNvPicPr>
+            <a:picLocks noChangeAspect="1"/>
+          </p:cNvPicPr>
+          <p:nvPr/>
+        </p:nvPicPr>
+        <p:blipFill>
+          <a:blip r:embed="rId3"/>
+          <a:stretch>
+            <a:fillRect/>
+          </a:stretch>
+        </p:blipFill>
+        <p:spPr>
+          <a:xfrm>
+            <a:off x="5468312" y="1616765"/>
+            <a:ext cx="5534202" cy="3975590"/>
+          </a:xfrm>
+          <a:prstGeom prst="rect">
+            <a:avLst/>
+          </a:prstGeom>
+        </p:spPr>
+      </p:pic>
+    </p:spTree>
+    <p:extLst>
+      <p:ext uri="{BB962C8B-B14F-4D97-AF65-F5344CB8AC3E}">
+        <p14:creationId xmlns:p14="http://schemas.microsoft.com/office/powerpoint/2010/main" val="2094030960"/>
+      </p:ext>
+    </p:extLst>
+  </p:cSld>
+  <p:clrMapOvr>
+    <a:masterClrMapping/>
+  </p:clrMapOvr>
+</p:sld>
+</file>
+
+<file path=ppt/slides/slide6.xml><?xml version="1.0" encoding="utf-8"?>
+<p:sld xmlns:a="http://schemas.openxmlformats.org/drawingml/2006/main" xmlns:r="http://schemas.openxmlformats.org/officeDocument/2006/relationships" xmlns:p="http://schemas.openxmlformats.org/presentationml/2006/main">
+  <p:cSld>
+    <p:bg>
+      <p:bgPr>
+        <a:solidFill>
+          <a:schemeClr val="bg1"/>
+        </a:solidFill>
+        <a:effectLst/>
+      </p:bgPr>
+    </p:bg>
+    <p:spTree>
+      <p:nvGrpSpPr>
+        <p:cNvPr id="1" name=""/>
+        <p:cNvGrpSpPr/>
+        <p:nvPr/>
+      </p:nvGrpSpPr>
+      <p:grpSpPr>
+        <a:xfrm>
+          <a:off x="0" y="0"/>
+          <a:ext cx="0" cy="0"/>
+          <a:chOff x="0" y="0"/>
+          <a:chExt cx="0" cy="0"/>
+        </a:xfrm>
+      </p:grpSpPr>
+      <p:sp>
+        <p:nvSpPr>
           <p:cNvPr id="5" name="Заголовок 1"/>
           <p:cNvSpPr txBox="1">
             <a:spLocks/>
@@ -4602,7 +5812,7 @@
         </p:nvSpPr>
         <p:spPr>
           <a:xfrm>
-            <a:off x="327991" y="365760"/>
+            <a:off x="476283" y="113969"/>
             <a:ext cx="10626521" cy="826936"/>
           </a:xfrm>
           <a:prstGeom prst="rect">
@@ -4674,8 +5884,8 @@
         </p:blipFill>
         <p:spPr bwMode="auto">
           <a:xfrm>
-            <a:off x="1261872" y="2295566"/>
-            <a:ext cx="8054147" cy="4110703"/>
+            <a:off x="645218" y="1864235"/>
+            <a:ext cx="9784340" cy="4993765"/>
           </a:xfrm>
           <a:prstGeom prst="rect">
             <a:avLst/>
@@ -4700,15 +5910,15 @@
         </p:nvSpPr>
         <p:spPr>
           <a:xfrm>
-            <a:off x="1556157" y="1227801"/>
-            <a:ext cx="8779968" cy="923330"/>
+            <a:off x="327992" y="940905"/>
+            <a:ext cx="10923104" cy="923330"/>
           </a:xfrm>
           <a:prstGeom prst="rect">
             <a:avLst/>
           </a:prstGeom>
         </p:spPr>
         <p:txBody>
-          <a:bodyPr wrap="none">
+          <a:bodyPr wrap="square">
             <a:spAutoFit/>
           </a:bodyPr>
           <a:lstStyle/>
@@ -4745,224 +5955,6 @@
     <p:extLst>
       <p:ext uri="{BB962C8B-B14F-4D97-AF65-F5344CB8AC3E}">
         <p14:creationId xmlns:p14="http://schemas.microsoft.com/office/powerpoint/2010/main" val="980031469"/>
-      </p:ext>
-    </p:extLst>
-  </p:cSld>
-  <p:clrMapOvr>
-    <a:masterClrMapping/>
-  </p:clrMapOvr>
-</p:sld>
-</file>
-
-<file path=ppt/slides/slide6.xml><?xml version="1.0" encoding="utf-8"?>
-<p:sld xmlns:a="http://schemas.openxmlformats.org/drawingml/2006/main" xmlns:r="http://schemas.openxmlformats.org/officeDocument/2006/relationships" xmlns:p="http://schemas.openxmlformats.org/presentationml/2006/main">
-  <p:cSld>
-    <p:bg>
-      <p:bgPr>
-        <a:solidFill>
-          <a:schemeClr val="tx1"/>
-        </a:solidFill>
-        <a:effectLst/>
-      </p:bgPr>
-    </p:bg>
-    <p:spTree>
-      <p:nvGrpSpPr>
-        <p:cNvPr id="1" name=""/>
-        <p:cNvGrpSpPr/>
-        <p:nvPr/>
-      </p:nvGrpSpPr>
-      <p:grpSpPr>
-        <a:xfrm>
-          <a:off x="0" y="0"/>
-          <a:ext cx="0" cy="0"/>
-          <a:chOff x="0" y="0"/>
-          <a:chExt cx="0" cy="0"/>
-        </a:xfrm>
-      </p:grpSpPr>
-      <p:sp>
-        <p:nvSpPr>
-          <p:cNvPr id="6" name="Заголовок 1"/>
-          <p:cNvSpPr txBox="1">
-            <a:spLocks/>
-          </p:cNvSpPr>
-          <p:nvPr/>
-        </p:nvSpPr>
-        <p:spPr>
-          <a:xfrm>
-            <a:off x="1261872" y="365760"/>
-            <a:ext cx="9692640" cy="826936"/>
-          </a:xfrm>
-          <a:prstGeom prst="rect">
-            <a:avLst/>
-          </a:prstGeom>
-        </p:spPr>
-        <p:txBody>
-          <a:bodyPr vert="horz" lIns="91440" tIns="45720" rIns="91440" bIns="45720" rtlCol="0" anchor="b">
-            <a:normAutofit fontScale="77500" lnSpcReduction="20000"/>
-          </a:bodyPr>
-          <a:lstStyle>
-            <a:lvl1pPr algn="l" defTabSz="914400" rtl="0" eaLnBrk="1" latinLnBrk="0" hangingPunct="1">
-              <a:lnSpc>
-                <a:spcPct val="90000"/>
-              </a:lnSpc>
-              <a:spcBef>
-                <a:spcPct val="0"/>
-              </a:spcBef>
-              <a:buNone/>
-              <a:defRPr sz="4400" kern="1200" spc="-50" baseline="0">
-                <a:solidFill>
-                  <a:schemeClr val="tx1"/>
-                </a:solidFill>
-                <a:latin typeface="+mj-lt"/>
-                <a:ea typeface="+mj-ea"/>
-                <a:cs typeface="+mj-cs"/>
-              </a:defRPr>
-            </a:lvl1pPr>
-          </a:lstStyle>
-          <a:p>
-            <a:r>
-              <a:rPr lang="ru-RU" dirty="0">
-                <a:solidFill>
-                  <a:srgbClr val="1F2E41"/>
-                </a:solidFill>
-              </a:rPr>
-              <a:t>Этап</a:t>
-            </a:r>
-            <a:r>
-              <a:rPr lang="en-US" dirty="0">
-                <a:solidFill>
-                  <a:srgbClr val="1F2E41"/>
-                </a:solidFill>
-              </a:rPr>
-              <a:t> </a:t>
-            </a:r>
-            <a:r>
-              <a:rPr lang="ru-RU" dirty="0">
-                <a:solidFill>
-                  <a:srgbClr val="1F2E41"/>
-                </a:solidFill>
-              </a:rPr>
-              <a:t>первый: </a:t>
-            </a:r>
-            <a:r>
-              <a:rPr lang="ru-RU" dirty="0" smtClean="0">
-                <a:solidFill>
-                  <a:srgbClr val="1F2E41"/>
-                </a:solidFill>
-              </a:rPr>
-              <a:t>Построение финальной модели первого этапа</a:t>
-            </a:r>
-            <a:endParaRPr lang="ru-RU" dirty="0">
-              <a:solidFill>
-                <a:srgbClr val="1F2E41"/>
-              </a:solidFill>
-            </a:endParaRPr>
-          </a:p>
-        </p:txBody>
-      </p:sp>
-      <p:sp>
-        <p:nvSpPr>
-          <p:cNvPr id="4" name="Шаблон оформления – это файл, содержащий стили презентации, включая типы и размеры маркеров и шрифтов, размеры и положение рамок, параметры оформления фона, цветовые схемы."/>
-          <p:cNvSpPr txBox="1"/>
-          <p:nvPr/>
-        </p:nvSpPr>
-        <p:spPr>
-          <a:xfrm>
-            <a:off x="1261872" y="1807600"/>
-            <a:ext cx="9148492" cy="1656544"/>
-          </a:xfrm>
-          <a:prstGeom prst="rect">
-            <a:avLst/>
-          </a:prstGeom>
-          <a:ln w="12700">
-            <a:miter lim="400000"/>
-          </a:ln>
-          <a:extLst>
-            <a:ext uri="{C572A759-6A51-4108-AA02-DFA0A04FC94B}">
-              <ma14:wrappingTextBoxFlag xmlns:ma14="http://schemas.microsoft.com/office/mac/drawingml/2011/main" xmlns:a14="http://schemas.microsoft.com/office/drawing/2010/main" xmlns:m="http://schemas.openxmlformats.org/officeDocument/2006/math" xmlns="" val="1"/>
-            </a:ext>
-          </a:extLst>
-        </p:spPr>
-        <p:txBody>
-          <a:bodyPr lIns="25400" tIns="25400" rIns="25400" bIns="25400" anchor="b">
-            <a:spAutoFit/>
-          </a:bodyPr>
-          <a:lstStyle/>
-          <a:p>
-            <a:pPr>
-              <a:lnSpc>
-                <a:spcPts val="3150"/>
-              </a:lnSpc>
-              <a:defRPr sz="5200" spc="-104"/>
-            </a:pPr>
-            <a:r>
-              <a:rPr lang="ru-RU" sz="2400" dirty="0" smtClean="0">
-                <a:solidFill>
-                  <a:srgbClr val="1F2E41"/>
-                </a:solidFill>
-              </a:rPr>
-              <a:t>Командой была выбрана модель </a:t>
-            </a:r>
-            <a:r>
-              <a:rPr lang="en-US" sz="2400" dirty="0" smtClean="0">
-                <a:solidFill>
-                  <a:srgbClr val="1F2E41"/>
-                </a:solidFill>
-              </a:rPr>
-              <a:t>LGBMClassifier</a:t>
-            </a:r>
-            <a:r>
-              <a:rPr lang="ru-RU" sz="2400" dirty="0" smtClean="0">
-                <a:solidFill>
-                  <a:srgbClr val="1F2E41"/>
-                </a:solidFill>
-              </a:rPr>
-              <a:t>, поскольку она показала наилучшие результаты, мы решили прогнозировать </a:t>
-            </a:r>
-            <a:r>
-              <a:rPr lang="en-US" sz="2400" dirty="0" smtClean="0">
-                <a:solidFill>
-                  <a:srgbClr val="1F2E41"/>
-                </a:solidFill>
-              </a:rPr>
-              <a:t>target_1 </a:t>
-            </a:r>
-            <a:r>
-              <a:rPr lang="ru-RU" sz="2400" dirty="0" smtClean="0">
-                <a:solidFill>
-                  <a:srgbClr val="1F2E41"/>
-                </a:solidFill>
-              </a:rPr>
-              <a:t>и </a:t>
-            </a:r>
-            <a:r>
-              <a:rPr lang="en-US" sz="2400" dirty="0" smtClean="0">
-                <a:solidFill>
-                  <a:srgbClr val="1F2E41"/>
-                </a:solidFill>
-              </a:rPr>
-              <a:t>target_2 </a:t>
-            </a:r>
-            <a:r>
-              <a:rPr lang="ru-RU" sz="2400" dirty="0" smtClean="0">
-                <a:solidFill>
-                  <a:srgbClr val="1F2E41"/>
-                </a:solidFill>
-              </a:rPr>
-              <a:t>двумя различными моделями и собирать итоговый результат как комбинацию результатов двух моделей</a:t>
-            </a:r>
-            <a:endParaRPr sz="2400" dirty="0">
-              <a:solidFill>
-                <a:srgbClr val="1F2E41"/>
-              </a:solidFill>
-            </a:endParaRPr>
-          </a:p>
-        </p:txBody>
-      </p:sp>
-    </p:spTree>
-    <p:extLst>
-      <p:ext uri="{BB962C8B-B14F-4D97-AF65-F5344CB8AC3E}">
-        <p14:creationId xmlns:p14="http://schemas.microsoft.com/office/powerpoint/2010/main" val="3661029183"/>
       </p:ext>
     </p:extLst>
   </p:cSld>
@@ -5007,8 +5999,8 @@
         </p:nvSpPr>
         <p:spPr>
           <a:xfrm>
-            <a:off x="874643" y="365760"/>
-            <a:ext cx="10913166" cy="826936"/>
+            <a:off x="1261872" y="365760"/>
+            <a:ext cx="9692640" cy="826936"/>
           </a:xfrm>
           <a:prstGeom prst="rect">
             <a:avLst/>
@@ -5039,12 +6031,804 @@
           </a:lstStyle>
           <a:p>
             <a:r>
+              <a:rPr lang="ru-RU" dirty="0">
+                <a:solidFill>
+                  <a:srgbClr val="1F2E41"/>
+                </a:solidFill>
+              </a:rPr>
+              <a:t>Этап</a:t>
+            </a:r>
+            <a:r>
+              <a:rPr lang="en-US" dirty="0">
+                <a:solidFill>
+                  <a:srgbClr val="1F2E41"/>
+                </a:solidFill>
+              </a:rPr>
+              <a:t> </a:t>
+            </a:r>
+            <a:r>
+              <a:rPr lang="ru-RU" dirty="0">
+                <a:solidFill>
+                  <a:srgbClr val="1F2E41"/>
+                </a:solidFill>
+              </a:rPr>
+              <a:t>первый: </a:t>
+            </a:r>
+            <a:r>
               <a:rPr lang="ru-RU" dirty="0" smtClean="0">
                 <a:solidFill>
                   <a:srgbClr val="1F2E41"/>
                 </a:solidFill>
               </a:rPr>
-              <a:t>Второй этап: Результатов по отдельным сегментам</a:t>
+              <a:t>Построение финальной модели первого этапа</a:t>
+            </a:r>
+            <a:endParaRPr lang="ru-RU" dirty="0">
+              <a:solidFill>
+                <a:srgbClr val="1F2E41"/>
+              </a:solidFill>
+            </a:endParaRPr>
+          </a:p>
+        </p:txBody>
+      </p:sp>
+      <mc:AlternateContent xmlns:mc="http://schemas.openxmlformats.org/markup-compatibility/2006">
+        <mc:Choice xmlns:a14="http://schemas.microsoft.com/office/drawing/2010/main" Requires="a14">
+          <p:sp>
+            <p:nvSpPr>
+              <p:cNvPr id="4" name="Шаблон оформления – это файл, содержащий стили презентации, включая типы и размеры маркеров и шрифтов, размеры и положение рамок, параметры оформления фона, цветовые схемы."/>
+              <p:cNvSpPr txBox="1"/>
+              <p:nvPr/>
+            </p:nvSpPr>
+            <p:spPr>
+              <a:xfrm>
+                <a:off x="1261872" y="1605588"/>
+                <a:ext cx="10294024" cy="3744615"/>
+              </a:xfrm>
+              <a:prstGeom prst="rect">
+                <a:avLst/>
+              </a:prstGeom>
+              <a:ln w="12700">
+                <a:miter lim="400000"/>
+              </a:ln>
+              <a:extLst>
+                <a:ext uri="{C572A759-6A51-4108-AA02-DFA0A04FC94B}">
+                  <ma14:wrappingTextBoxFlag xmlns:ma14="http://schemas.microsoft.com/office/mac/drawingml/2011/main" xmlns:m="http://schemas.openxmlformats.org/officeDocument/2006/math" xmlns="" val="1"/>
+                </a:ext>
+              </a:extLst>
+            </p:spPr>
+            <p:txBody>
+              <a:bodyPr wrap="square" lIns="25400" tIns="25400" rIns="25400" bIns="25400" anchor="b">
+                <a:spAutoFit/>
+              </a:bodyPr>
+              <a:lstStyle/>
+              <a:p>
+                <a:pPr>
+                  <a:lnSpc>
+                    <a:spcPts val="3150"/>
+                  </a:lnSpc>
+                  <a:defRPr sz="5200" spc="-104"/>
+                </a:pPr>
+                <a:r>
+                  <a:rPr lang="ru-RU" sz="2400" dirty="0" smtClean="0">
+                    <a:solidFill>
+                      <a:srgbClr val="1F2E41"/>
+                    </a:solidFill>
+                  </a:rPr>
+                  <a:t>Командой была выбрана модель </a:t>
+                </a:r>
+                <a:r>
+                  <a:rPr lang="en-US" sz="2400" b="1" dirty="0" smtClean="0">
+                    <a:solidFill>
+                      <a:srgbClr val="1F2E41"/>
+                    </a:solidFill>
+                    <a:latin typeface="Arial Rounded MT Bold" panose="020F0704030504030204" pitchFamily="34" charset="0"/>
+                  </a:rPr>
+                  <a:t>LGBMClassifier</a:t>
+                </a:r>
+                <a:r>
+                  <a:rPr lang="ru-RU" sz="2400" dirty="0" smtClean="0">
+                    <a:solidFill>
+                      <a:srgbClr val="1F2E41"/>
+                    </a:solidFill>
+                  </a:rPr>
+                  <a:t>, поскольку она показала наилучшие результаты, мы решили прогнозировать </a:t>
+                </a:r>
+                <a:r>
+                  <a:rPr lang="en-US" sz="2400" dirty="0" smtClean="0">
+                    <a:solidFill>
+                      <a:srgbClr val="1F2E41"/>
+                    </a:solidFill>
+                  </a:rPr>
+                  <a:t>target_1 </a:t>
+                </a:r>
+                <a:r>
+                  <a:rPr lang="ru-RU" sz="2400" dirty="0" smtClean="0">
+                    <a:solidFill>
+                      <a:srgbClr val="1F2E41"/>
+                    </a:solidFill>
+                  </a:rPr>
+                  <a:t>и </a:t>
+                </a:r>
+                <a:r>
+                  <a:rPr lang="en-US" sz="2400" dirty="0" smtClean="0">
+                    <a:solidFill>
+                      <a:srgbClr val="1F2E41"/>
+                    </a:solidFill>
+                  </a:rPr>
+                  <a:t>target_2 </a:t>
+                </a:r>
+                <a:r>
+                  <a:rPr lang="ru-RU" sz="2400" dirty="0" smtClean="0">
+                    <a:solidFill>
+                      <a:srgbClr val="1F2E41"/>
+                    </a:solidFill>
+                  </a:rPr>
+                  <a:t>двумя различными моделями и собирать итоговый результат как комбинацию результатов двух </a:t>
+                </a:r>
+                <a:r>
+                  <a:rPr lang="ru-RU" sz="2400" dirty="0" smtClean="0">
+                    <a:solidFill>
+                      <a:srgbClr val="1F2E41"/>
+                    </a:solidFill>
+                  </a:rPr>
+                  <a:t>моделей</a:t>
+                </a:r>
+              </a:p>
+              <a:p>
+                <a:pPr>
+                  <a:lnSpc>
+                    <a:spcPts val="3150"/>
+                  </a:lnSpc>
+                  <a:defRPr sz="5200" spc="-104"/>
+                </a:pPr>
+                <a:endParaRPr lang="ru-RU" sz="2400" dirty="0" smtClean="0">
+                  <a:solidFill>
+                    <a:srgbClr val="1F2E41"/>
+                  </a:solidFill>
+                </a:endParaRPr>
+              </a:p>
+              <a:p>
+                <a:pPr>
+                  <a:lnSpc>
+                    <a:spcPts val="3150"/>
+                  </a:lnSpc>
+                  <a:defRPr sz="5200" spc="-104"/>
+                </a:pPr>
+                <a:endParaRPr lang="ru-RU" sz="3200" dirty="0">
+                  <a:solidFill>
+                    <a:srgbClr val="1F2E41"/>
+                  </a:solidFill>
+                </a:endParaRPr>
+              </a:p>
+              <a:p>
+                <a:pPr>
+                  <a:lnSpc>
+                    <a:spcPts val="3150"/>
+                  </a:lnSpc>
+                  <a:defRPr sz="5200" spc="-104"/>
+                </a:pPr>
+                <a14:m>
+                  <m:oMathPara xmlns:m="http://schemas.openxmlformats.org/officeDocument/2006/math">
+                    <m:oMathParaPr>
+                      <m:jc m:val="centerGroup"/>
+                    </m:oMathParaPr>
+                    <m:oMath xmlns:m="http://schemas.openxmlformats.org/officeDocument/2006/math">
+                      <m:sSub>
+                        <m:sSubPr>
+                          <m:ctrlPr>
+                            <a:rPr lang="en-US" sz="3200" b="1" i="1" dirty="0" smtClean="0">
+                              <a:solidFill>
+                                <a:srgbClr val="1F2E41"/>
+                              </a:solidFill>
+                              <a:latin typeface="Cambria Math" panose="02040503050406030204" pitchFamily="18" charset="0"/>
+                            </a:rPr>
+                          </m:ctrlPr>
+                        </m:sSubPr>
+                        <m:e>
+                          <m:r>
+                            <a:rPr lang="en-US" sz="3200" b="1" i="1" dirty="0" smtClean="0">
+                              <a:solidFill>
+                                <a:srgbClr val="1F2E41"/>
+                              </a:solidFill>
+                              <a:latin typeface="Cambria Math" panose="02040503050406030204" pitchFamily="18" charset="0"/>
+                            </a:rPr>
+                            <m:t>𝒚</m:t>
+                          </m:r>
+                        </m:e>
+                        <m:sub>
+                          <m:r>
+                            <a:rPr lang="en-US" sz="3200" b="1" i="1" dirty="0" smtClean="0">
+                              <a:solidFill>
+                                <a:srgbClr val="1F2E41"/>
+                              </a:solidFill>
+                              <a:latin typeface="Cambria Math" panose="02040503050406030204" pitchFamily="18" charset="0"/>
+                            </a:rPr>
+                            <m:t>𝒓𝒆𝒔</m:t>
+                          </m:r>
+                        </m:sub>
+                      </m:sSub>
+                      <m:r>
+                        <m:rPr>
+                          <m:nor/>
+                        </m:rPr>
+                        <a:rPr lang="en-US" sz="3200" b="1" i="0" dirty="0" smtClean="0">
+                          <a:solidFill>
+                            <a:srgbClr val="1F2E41"/>
+                          </a:solidFill>
+                          <a:latin typeface="Cambria Math" panose="02040503050406030204" pitchFamily="18" charset="0"/>
+                        </a:rPr>
+                        <m:t> </m:t>
+                      </m:r>
+                      <m:r>
+                        <m:rPr>
+                          <m:nor/>
+                        </m:rPr>
+                        <a:rPr lang="en-US" sz="3200" b="1" dirty="0">
+                          <a:solidFill>
+                            <a:srgbClr val="1F2E41"/>
+                          </a:solidFill>
+                          <a:latin typeface="Arial Rounded MT Bold" panose="020F0704030504030204" pitchFamily="34" charset="0"/>
+                        </a:rPr>
+                        <m:t> =</m:t>
+                      </m:r>
+                      <m:sSub>
+                        <m:sSubPr>
+                          <m:ctrlPr>
+                            <a:rPr lang="en-US" sz="3200" b="1" i="1" dirty="0" smtClean="0">
+                              <a:solidFill>
+                                <a:srgbClr val="1F2E41"/>
+                              </a:solidFill>
+                              <a:latin typeface="Cambria Math" panose="02040503050406030204" pitchFamily="18" charset="0"/>
+                            </a:rPr>
+                          </m:ctrlPr>
+                        </m:sSubPr>
+                        <m:e>
+                          <m:r>
+                            <a:rPr lang="en-US" sz="3200" b="1" i="1" dirty="0" smtClean="0">
+                              <a:solidFill>
+                                <a:srgbClr val="1F2E41"/>
+                              </a:solidFill>
+                              <a:latin typeface="Cambria Math" panose="02040503050406030204" pitchFamily="18" charset="0"/>
+                            </a:rPr>
+                            <m:t> </m:t>
+                          </m:r>
+                          <m:sSubSup>
+                            <m:sSubSupPr>
+                              <m:ctrlPr>
+                                <a:rPr lang="en-US" sz="3200" b="1" i="1" dirty="0" smtClean="0">
+                                  <a:solidFill>
+                                    <a:srgbClr val="1F2E41"/>
+                                  </a:solidFill>
+                                  <a:latin typeface="Cambria Math" panose="02040503050406030204" pitchFamily="18" charset="0"/>
+                                </a:rPr>
+                              </m:ctrlPr>
+                            </m:sSubSupPr>
+                            <m:e>
+                              <m:r>
+                                <a:rPr lang="en-US" sz="3200" b="1" i="1" dirty="0">
+                                  <a:solidFill>
+                                    <a:srgbClr val="1F2E41"/>
+                                  </a:solidFill>
+                                  <a:latin typeface="Cambria Math" panose="02040503050406030204" pitchFamily="18" charset="0"/>
+                                </a:rPr>
+                                <m:t>𝒚</m:t>
+                              </m:r>
+                            </m:e>
+                            <m:sub>
+                              <m:r>
+                                <a:rPr lang="en-US" sz="3200" b="1" i="1" dirty="0" smtClean="0">
+                                  <a:solidFill>
+                                    <a:srgbClr val="1F2E41"/>
+                                  </a:solidFill>
+                                  <a:latin typeface="Cambria Math" panose="02040503050406030204" pitchFamily="18" charset="0"/>
+                                </a:rPr>
+                                <m:t>𝒕𝒆𝒔𝒕</m:t>
+                              </m:r>
+                            </m:sub>
+                            <m:sup>
+                              <m:r>
+                                <a:rPr lang="en-US" sz="3200" b="1" i="1" dirty="0" smtClean="0">
+                                  <a:solidFill>
+                                    <a:srgbClr val="1F2E41"/>
+                                  </a:solidFill>
+                                  <a:latin typeface="Cambria Math" panose="02040503050406030204" pitchFamily="18" charset="0"/>
+                                </a:rPr>
+                                <m:t> </m:t>
+                              </m:r>
+                              <m:r>
+                                <a:rPr lang="en-US" sz="3200" b="1" i="1" dirty="0" smtClean="0">
+                                  <a:solidFill>
+                                    <a:srgbClr val="1F2E41"/>
+                                  </a:solidFill>
+                                  <a:latin typeface="Cambria Math" panose="02040503050406030204" pitchFamily="18" charset="0"/>
+                                </a:rPr>
+                                <m:t>𝟏</m:t>
+                              </m:r>
+                            </m:sup>
+                          </m:sSubSup>
+                        </m:e>
+                        <m:sub>
+                          <m:r>
+                            <a:rPr lang="en-US" sz="3200" b="1" i="1" dirty="0" smtClean="0">
+                              <a:solidFill>
+                                <a:srgbClr val="1F2E41"/>
+                              </a:solidFill>
+                              <a:latin typeface="Cambria Math" panose="02040503050406030204" pitchFamily="18" charset="0"/>
+                            </a:rPr>
+                            <m:t> </m:t>
+                          </m:r>
+                        </m:sub>
+                      </m:sSub>
+                      <m:r>
+                        <a:rPr lang="en-US" sz="3200" b="1" i="1" dirty="0" smtClean="0">
+                          <a:solidFill>
+                            <a:srgbClr val="1F2E41"/>
+                          </a:solidFill>
+                          <a:latin typeface="Cambria Math" panose="02040503050406030204" pitchFamily="18" charset="0"/>
+                        </a:rPr>
+                        <m:t> </m:t>
+                      </m:r>
+                      <m:r>
+                        <m:rPr>
+                          <m:nor/>
+                        </m:rPr>
+                        <a:rPr lang="en-US" sz="3200" b="1" dirty="0" smtClean="0">
+                          <a:solidFill>
+                            <a:srgbClr val="1F2E41"/>
+                          </a:solidFill>
+                          <a:latin typeface="Cambria Math" panose="02040503050406030204" pitchFamily="18" charset="0"/>
+                          <a:ea typeface="Cambria Math" panose="02040503050406030204" pitchFamily="18" charset="0"/>
+                        </a:rPr>
+                        <m:t>+</m:t>
+                      </m:r>
+                      <m:r>
+                        <m:rPr>
+                          <m:nor/>
+                        </m:rPr>
+                        <a:rPr lang="en-US" sz="3200" b="1" i="0" dirty="0" smtClean="0">
+                          <a:solidFill>
+                            <a:srgbClr val="1F2E41"/>
+                          </a:solidFill>
+                          <a:latin typeface="Arial Rounded MT Bold" panose="020F0704030504030204" pitchFamily="34" charset="0"/>
+                        </a:rPr>
+                        <m:t>  </m:t>
+                      </m:r>
+                      <m:sSubSup>
+                        <m:sSubSupPr>
+                          <m:ctrlPr>
+                            <a:rPr lang="en-US" sz="3200" b="1" i="1" dirty="0">
+                              <a:solidFill>
+                                <a:srgbClr val="1F2E41"/>
+                              </a:solidFill>
+                              <a:latin typeface="Cambria Math" panose="02040503050406030204" pitchFamily="18" charset="0"/>
+                            </a:rPr>
+                          </m:ctrlPr>
+                        </m:sSubSupPr>
+                        <m:e>
+                          <m:r>
+                            <a:rPr lang="en-US" sz="3200" b="1" i="1" dirty="0">
+                              <a:solidFill>
+                                <a:srgbClr val="1F2E41"/>
+                              </a:solidFill>
+                              <a:latin typeface="Cambria Math" panose="02040503050406030204" pitchFamily="18" charset="0"/>
+                            </a:rPr>
+                            <m:t>𝒚</m:t>
+                          </m:r>
+                        </m:e>
+                        <m:sub>
+                          <m:r>
+                            <a:rPr lang="en-US" sz="3200" b="1" i="1" dirty="0">
+                              <a:solidFill>
+                                <a:srgbClr val="1F2E41"/>
+                              </a:solidFill>
+                              <a:latin typeface="Cambria Math" panose="02040503050406030204" pitchFamily="18" charset="0"/>
+                            </a:rPr>
+                            <m:t>𝒕𝒆𝒔𝒕</m:t>
+                          </m:r>
+                        </m:sub>
+                        <m:sup>
+                          <m:r>
+                            <a:rPr lang="en-US" sz="3200" b="1" i="1" dirty="0" smtClean="0">
+                              <a:solidFill>
+                                <a:srgbClr val="1F2E41"/>
+                              </a:solidFill>
+                              <a:latin typeface="Cambria Math" panose="02040503050406030204" pitchFamily="18" charset="0"/>
+                            </a:rPr>
+                            <m:t> </m:t>
+                          </m:r>
+                          <m:r>
+                            <a:rPr lang="en-US" sz="3200" b="1" i="1" dirty="0" smtClean="0">
+                              <a:solidFill>
+                                <a:srgbClr val="1F2E41"/>
+                              </a:solidFill>
+                              <a:latin typeface="Cambria Math" panose="02040503050406030204" pitchFamily="18" charset="0"/>
+                            </a:rPr>
+                            <m:t>𝟐</m:t>
+                          </m:r>
+                        </m:sup>
+                      </m:sSubSup>
+                      <m:r>
+                        <m:rPr>
+                          <m:nor/>
+                        </m:rPr>
+                        <a:rPr lang="en-US" sz="3200" b="1" i="0" dirty="0" smtClean="0">
+                          <a:solidFill>
+                            <a:srgbClr val="1F2E41"/>
+                          </a:solidFill>
+                          <a:latin typeface="Cambria Math" panose="02040503050406030204" pitchFamily="18" charset="0"/>
+                        </a:rPr>
+                        <m:t> </m:t>
+                      </m:r>
+                      <m:r>
+                        <m:rPr>
+                          <m:nor/>
+                        </m:rPr>
+                        <a:rPr lang="en-US" sz="3200" b="1" dirty="0" smtClean="0">
+                          <a:solidFill>
+                            <a:srgbClr val="1F2E41"/>
+                          </a:solidFill>
+                          <a:latin typeface="Cambria Math" panose="02040503050406030204" pitchFamily="18" charset="0"/>
+                          <a:ea typeface="Cambria Math" panose="02040503050406030204" pitchFamily="18" charset="0"/>
+                        </a:rPr>
+                        <m:t>−</m:t>
+                      </m:r>
+                      <m:r>
+                        <m:rPr>
+                          <m:nor/>
+                        </m:rPr>
+                        <a:rPr lang="en-US" sz="3200" b="1" i="0" dirty="0" smtClean="0">
+                          <a:solidFill>
+                            <a:srgbClr val="1F2E41"/>
+                          </a:solidFill>
+                          <a:latin typeface="Arial Rounded MT Bold" panose="020F0704030504030204" pitchFamily="34" charset="0"/>
+                        </a:rPr>
+                        <m:t> </m:t>
+                      </m:r>
+                      <m:sSubSup>
+                        <m:sSubSupPr>
+                          <m:ctrlPr>
+                            <a:rPr lang="en-US" sz="3200" b="1" i="1" dirty="0">
+                              <a:solidFill>
+                                <a:srgbClr val="1F2E41"/>
+                              </a:solidFill>
+                              <a:latin typeface="Cambria Math" panose="02040503050406030204" pitchFamily="18" charset="0"/>
+                            </a:rPr>
+                          </m:ctrlPr>
+                        </m:sSubSupPr>
+                        <m:e>
+                          <m:r>
+                            <a:rPr lang="en-US" sz="3200" b="1" i="1" dirty="0" smtClean="0">
+                              <a:solidFill>
+                                <a:srgbClr val="1F2E41"/>
+                              </a:solidFill>
+                              <a:latin typeface="Cambria Math" panose="02040503050406030204" pitchFamily="18" charset="0"/>
+                            </a:rPr>
+                            <m:t> </m:t>
+                          </m:r>
+                          <m:r>
+                            <a:rPr lang="en-US" sz="3200" b="1" i="1" dirty="0">
+                              <a:solidFill>
+                                <a:srgbClr val="1F2E41"/>
+                              </a:solidFill>
+                              <a:latin typeface="Cambria Math" panose="02040503050406030204" pitchFamily="18" charset="0"/>
+                            </a:rPr>
+                            <m:t>𝒚</m:t>
+                          </m:r>
+                        </m:e>
+                        <m:sub>
+                          <m:r>
+                            <a:rPr lang="en-US" sz="3200" b="1" i="1" dirty="0">
+                              <a:solidFill>
+                                <a:srgbClr val="1F2E41"/>
+                              </a:solidFill>
+                              <a:latin typeface="Cambria Math" panose="02040503050406030204" pitchFamily="18" charset="0"/>
+                            </a:rPr>
+                            <m:t>𝒕𝒆𝒔𝒕</m:t>
+                          </m:r>
+                        </m:sub>
+                        <m:sup>
+                          <m:r>
+                            <a:rPr lang="en-US" sz="3200" b="1" i="1" dirty="0">
+                              <a:solidFill>
+                                <a:srgbClr val="1F2E41"/>
+                              </a:solidFill>
+                              <a:latin typeface="Cambria Math" panose="02040503050406030204" pitchFamily="18" charset="0"/>
+                            </a:rPr>
+                            <m:t> </m:t>
+                          </m:r>
+                          <m:r>
+                            <a:rPr lang="en-US" sz="3200" b="1" i="1" dirty="0">
+                              <a:solidFill>
+                                <a:srgbClr val="1F2E41"/>
+                              </a:solidFill>
+                              <a:latin typeface="Cambria Math" panose="02040503050406030204" pitchFamily="18" charset="0"/>
+                            </a:rPr>
+                            <m:t>𝟏</m:t>
+                          </m:r>
+                        </m:sup>
+                      </m:sSubSup>
+                      <m:r>
+                        <a:rPr lang="en-US" sz="3200" b="1" i="1" dirty="0" smtClean="0">
+                          <a:solidFill>
+                            <a:srgbClr val="1F2E41"/>
+                          </a:solidFill>
+                          <a:latin typeface="Cambria Math" panose="02040503050406030204" pitchFamily="18" charset="0"/>
+                          <a:ea typeface="Cambria Math" panose="02040503050406030204" pitchFamily="18" charset="0"/>
+                        </a:rPr>
+                        <m:t>∙</m:t>
+                      </m:r>
+                      <m:sSubSup>
+                        <m:sSubSupPr>
+                          <m:ctrlPr>
+                            <a:rPr lang="en-US" sz="3200" b="1" i="1" dirty="0">
+                              <a:solidFill>
+                                <a:srgbClr val="1F2E41"/>
+                              </a:solidFill>
+                              <a:latin typeface="Cambria Math" panose="02040503050406030204" pitchFamily="18" charset="0"/>
+                            </a:rPr>
+                          </m:ctrlPr>
+                        </m:sSubSupPr>
+                        <m:e>
+                          <m:r>
+                            <a:rPr lang="en-US" sz="3200" b="1" i="1" dirty="0">
+                              <a:solidFill>
+                                <a:srgbClr val="1F2E41"/>
+                              </a:solidFill>
+                              <a:latin typeface="Cambria Math" panose="02040503050406030204" pitchFamily="18" charset="0"/>
+                            </a:rPr>
+                            <m:t>𝒚</m:t>
+                          </m:r>
+                        </m:e>
+                        <m:sub>
+                          <m:r>
+                            <a:rPr lang="en-US" sz="3200" b="1" i="1" dirty="0">
+                              <a:solidFill>
+                                <a:srgbClr val="1F2E41"/>
+                              </a:solidFill>
+                              <a:latin typeface="Cambria Math" panose="02040503050406030204" pitchFamily="18" charset="0"/>
+                            </a:rPr>
+                            <m:t>𝒕𝒆𝒔𝒕</m:t>
+                          </m:r>
+                        </m:sub>
+                        <m:sup>
+                          <m:r>
+                            <a:rPr lang="en-US" sz="3200" b="1" i="1" dirty="0">
+                              <a:solidFill>
+                                <a:srgbClr val="1F2E41"/>
+                              </a:solidFill>
+                              <a:latin typeface="Cambria Math" panose="02040503050406030204" pitchFamily="18" charset="0"/>
+                            </a:rPr>
+                            <m:t> </m:t>
+                          </m:r>
+                          <m:r>
+                            <a:rPr lang="en-US" sz="3200" b="1" i="1" dirty="0">
+                              <a:solidFill>
+                                <a:srgbClr val="1F2E41"/>
+                              </a:solidFill>
+                              <a:latin typeface="Cambria Math" panose="02040503050406030204" pitchFamily="18" charset="0"/>
+                            </a:rPr>
+                            <m:t>𝟐</m:t>
+                          </m:r>
+                        </m:sup>
+                      </m:sSubSup>
+                    </m:oMath>
+                  </m:oMathPara>
+                </a14:m>
+                <a:endParaRPr lang="ru-RU" sz="2400" dirty="0" smtClean="0">
+                  <a:solidFill>
+                    <a:srgbClr val="1F2E41"/>
+                  </a:solidFill>
+                </a:endParaRPr>
+              </a:p>
+              <a:p>
+                <a:pPr>
+                  <a:lnSpc>
+                    <a:spcPts val="3150"/>
+                  </a:lnSpc>
+                  <a:defRPr sz="5200" spc="-104"/>
+                </a:pPr>
+                <a:endParaRPr lang="ru-RU" sz="2400" dirty="0">
+                  <a:solidFill>
+                    <a:srgbClr val="1F2E41"/>
+                  </a:solidFill>
+                </a:endParaRPr>
+              </a:p>
+              <a:p>
+                <a:pPr>
+                  <a:lnSpc>
+                    <a:spcPts val="3150"/>
+                  </a:lnSpc>
+                  <a:defRPr sz="5200" spc="-104"/>
+                </a:pPr>
+                <a:r>
+                  <a:rPr lang="ru-RU" sz="2400" dirty="0" smtClean="0">
+                    <a:solidFill>
+                      <a:srgbClr val="1F2E41"/>
+                    </a:solidFill>
+                  </a:rPr>
+                  <a:t>Результаты работы модели: </a:t>
+                </a:r>
+                <a:r>
+                  <a:rPr lang="en-US" sz="2400" b="1" smtClean="0">
+                    <a:solidFill>
+                      <a:srgbClr val="1F2E41"/>
+                    </a:solidFill>
+                  </a:rPr>
+                  <a:t>ROC_AUC</a:t>
+                </a:r>
+                <a:r>
+                  <a:rPr lang="ru-RU" sz="2400" b="1" smtClean="0">
+                    <a:solidFill>
+                      <a:srgbClr val="1F2E41"/>
+                    </a:solidFill>
+                  </a:rPr>
+                  <a:t> </a:t>
+                </a:r>
+                <a:r>
+                  <a:rPr lang="en-US" sz="2400" b="1" smtClean="0">
+                    <a:solidFill>
+                      <a:srgbClr val="1F2E41"/>
+                    </a:solidFill>
+                  </a:rPr>
+                  <a:t>score</a:t>
+                </a:r>
+                <a:r>
+                  <a:rPr lang="en-US" sz="2400" smtClean="0">
+                    <a:solidFill>
+                      <a:srgbClr val="1F2E41"/>
+                    </a:solidFill>
+                  </a:rPr>
+                  <a:t> </a:t>
+                </a:r>
+                <a:r>
+                  <a:rPr lang="ru-RU" sz="2400" smtClean="0">
+                    <a:solidFill>
+                      <a:srgbClr val="1F2E41"/>
+                    </a:solidFill>
+                  </a:rPr>
+                  <a:t>равный 0,8744.</a:t>
+                </a:r>
+                <a:endParaRPr lang="ru-RU" sz="2400" dirty="0" smtClean="0">
+                  <a:solidFill>
+                    <a:srgbClr val="1F2E41"/>
+                  </a:solidFill>
+                </a:endParaRPr>
+              </a:p>
+            </p:txBody>
+          </p:sp>
+        </mc:Choice>
+        <mc:Fallback>
+          <p:sp>
+            <p:nvSpPr>
+              <p:cNvPr id="4" name="Шаблон оформления – это файл, содержащий стили презентации, включая типы и размеры маркеров и шрифтов, размеры и положение рамок, параметры оформления фона, цветовые схемы."/>
+              <p:cNvSpPr txBox="1">
+                <a:spLocks noRot="1" noChangeAspect="1" noMove="1" noResize="1" noEditPoints="1" noAdjustHandles="1" noChangeArrowheads="1" noChangeShapeType="1" noTextEdit="1"/>
+              </p:cNvSpPr>
+              <p:nvPr/>
+            </p:nvSpPr>
+            <p:spPr>
+              <a:xfrm>
+                <a:off x="1261872" y="1605588"/>
+                <a:ext cx="10294024" cy="3744615"/>
+              </a:xfrm>
+              <a:prstGeom prst="rect">
+                <a:avLst/>
+              </a:prstGeom>
+              <a:blipFill>
+                <a:blip r:embed="rId2"/>
+                <a:stretch>
+                  <a:fillRect l="-1539" t="-650" b="-3252"/>
+                </a:stretch>
+              </a:blipFill>
+              <a:ln w="12700">
+                <a:miter lim="400000"/>
+              </a:ln>
+              <a:extLst>
+                <a:ext uri="{C572A759-6A51-4108-AA02-DFA0A04FC94B}">
+                  <ma14:wrappingTextBoxFlag xmlns:ma14="http://schemas.microsoft.com/office/mac/drawingml/2011/main" xmlns:a14="http://schemas.microsoft.com/office/drawing/2010/main" xmlns:m="http://schemas.openxmlformats.org/officeDocument/2006/math" xmlns="" val="1"/>
+                </a:ext>
+              </a:extLst>
+            </p:spPr>
+            <p:txBody>
+              <a:bodyPr/>
+              <a:lstStyle/>
+              <a:p>
+                <a:r>
+                  <a:rPr lang="ru-RU">
+                    <a:noFill/>
+                  </a:rPr>
+                  <a:t> </a:t>
+                </a:r>
+              </a:p>
+            </p:txBody>
+          </p:sp>
+        </mc:Fallback>
+      </mc:AlternateContent>
+    </p:spTree>
+    <p:extLst>
+      <p:ext uri="{BB962C8B-B14F-4D97-AF65-F5344CB8AC3E}">
+        <p14:creationId xmlns:p14="http://schemas.microsoft.com/office/powerpoint/2010/main" val="3661029183"/>
+      </p:ext>
+    </p:extLst>
+  </p:cSld>
+  <p:clrMapOvr>
+    <a:masterClrMapping/>
+  </p:clrMapOvr>
+</p:sld>
+</file>
+
+<file path=ppt/slides/slide8.xml><?xml version="1.0" encoding="utf-8"?>
+<p:sld xmlns:a="http://schemas.openxmlformats.org/drawingml/2006/main" xmlns:r="http://schemas.openxmlformats.org/officeDocument/2006/relationships" xmlns:p="http://schemas.openxmlformats.org/presentationml/2006/main">
+  <p:cSld>
+    <p:bg>
+      <p:bgPr>
+        <a:solidFill>
+          <a:schemeClr val="tx1"/>
+        </a:solidFill>
+        <a:effectLst/>
+      </p:bgPr>
+    </p:bg>
+    <p:spTree>
+      <p:nvGrpSpPr>
+        <p:cNvPr id="1" name=""/>
+        <p:cNvGrpSpPr/>
+        <p:nvPr/>
+      </p:nvGrpSpPr>
+      <p:grpSpPr>
+        <a:xfrm>
+          <a:off x="0" y="0"/>
+          <a:ext cx="0" cy="0"/>
+          <a:chOff x="0" y="0"/>
+          <a:chExt cx="0" cy="0"/>
+        </a:xfrm>
+      </p:grpSpPr>
+      <p:sp>
+        <p:nvSpPr>
+          <p:cNvPr id="6" name="Заголовок 1"/>
+          <p:cNvSpPr txBox="1">
+            <a:spLocks/>
+          </p:cNvSpPr>
+          <p:nvPr/>
+        </p:nvSpPr>
+        <p:spPr>
+          <a:xfrm>
+            <a:off x="874644" y="233239"/>
+            <a:ext cx="10641496" cy="826936"/>
+          </a:xfrm>
+          <a:prstGeom prst="rect">
+            <a:avLst/>
+          </a:prstGeom>
+        </p:spPr>
+        <p:txBody>
+          <a:bodyPr vert="horz" lIns="91440" tIns="45720" rIns="91440" bIns="45720" rtlCol="0" anchor="b">
+            <a:normAutofit fontScale="77500" lnSpcReduction="20000"/>
+          </a:bodyPr>
+          <a:lstStyle>
+            <a:lvl1pPr algn="l" defTabSz="914400" rtl="0" eaLnBrk="1" latinLnBrk="0" hangingPunct="1">
+              <a:lnSpc>
+                <a:spcPct val="90000"/>
+              </a:lnSpc>
+              <a:spcBef>
+                <a:spcPct val="0"/>
+              </a:spcBef>
+              <a:buNone/>
+              <a:defRPr sz="4400" kern="1200" spc="-50" baseline="0">
+                <a:solidFill>
+                  <a:schemeClr val="tx1"/>
+                </a:solidFill>
+                <a:latin typeface="+mj-lt"/>
+                <a:ea typeface="+mj-ea"/>
+                <a:cs typeface="+mj-cs"/>
+              </a:defRPr>
+            </a:lvl1pPr>
+          </a:lstStyle>
+          <a:p>
+            <a:r>
+              <a:rPr lang="ru-RU" dirty="0" smtClean="0">
+                <a:solidFill>
+                  <a:srgbClr val="1F2E41"/>
+                </a:solidFill>
+              </a:rPr>
+              <a:t>Второй этап: Анализ результатов по отдельным сегментам</a:t>
             </a:r>
             <a:endParaRPr lang="ru-RU" dirty="0">
               <a:solidFill>
@@ -5062,7 +6846,7 @@
           </p:cNvPicPr>
           <p:nvPr/>
         </p:nvPicPr>
-        <p:blipFill>
+        <p:blipFill rotWithShape="1">
           <a:blip r:embed="rId2">
             <a:extLst>
               <a:ext uri="{28A0092B-C50C-407E-A947-70E740481C1C}">
@@ -5070,15 +6854,13 @@
               </a:ext>
             </a:extLst>
           </a:blip>
-          <a:srcRect/>
-          <a:stretch>
-            <a:fillRect/>
-          </a:stretch>
+          <a:srcRect t="6527"/>
+          <a:stretch/>
         </p:blipFill>
         <p:spPr bwMode="auto">
           <a:xfrm>
-            <a:off x="470452" y="1192696"/>
-            <a:ext cx="3539212" cy="2842591"/>
+            <a:off x="480763" y="1192696"/>
+            <a:ext cx="3539212" cy="2657061"/>
           </a:xfrm>
           <a:prstGeom prst="rect">
             <a:avLst/>
@@ -5313,204 +7095,6 @@
 </p:sld>
 </file>
 
-<file path=ppt/slides/slide8.xml><?xml version="1.0" encoding="utf-8"?>
-<p:sld xmlns:a="http://schemas.openxmlformats.org/drawingml/2006/main" xmlns:r="http://schemas.openxmlformats.org/officeDocument/2006/relationships" xmlns:p="http://schemas.openxmlformats.org/presentationml/2006/main">
-  <p:cSld>
-    <p:bg>
-      <p:bgPr>
-        <a:solidFill>
-          <a:schemeClr val="tx1"/>
-        </a:solidFill>
-        <a:effectLst/>
-      </p:bgPr>
-    </p:bg>
-    <p:spTree>
-      <p:nvGrpSpPr>
-        <p:cNvPr id="1" name=""/>
-        <p:cNvGrpSpPr/>
-        <p:nvPr/>
-      </p:nvGrpSpPr>
-      <p:grpSpPr>
-        <a:xfrm>
-          <a:off x="0" y="0"/>
-          <a:ext cx="0" cy="0"/>
-          <a:chOff x="0" y="0"/>
-          <a:chExt cx="0" cy="0"/>
-        </a:xfrm>
-      </p:grpSpPr>
-      <p:sp>
-        <p:nvSpPr>
-          <p:cNvPr id="6" name="Заголовок 1"/>
-          <p:cNvSpPr txBox="1">
-            <a:spLocks/>
-          </p:cNvSpPr>
-          <p:nvPr/>
-        </p:nvSpPr>
-        <p:spPr>
-          <a:xfrm>
-            <a:off x="556591" y="365760"/>
-            <a:ext cx="11231218" cy="826936"/>
-          </a:xfrm>
-          <a:prstGeom prst="rect">
-            <a:avLst/>
-          </a:prstGeom>
-        </p:spPr>
-        <p:txBody>
-          <a:bodyPr vert="horz" lIns="91440" tIns="45720" rIns="91440" bIns="45720" rtlCol="0" anchor="b">
-            <a:normAutofit fontScale="77500" lnSpcReduction="20000"/>
-          </a:bodyPr>
-          <a:lstStyle>
-            <a:lvl1pPr algn="l" defTabSz="914400" rtl="0" eaLnBrk="1" latinLnBrk="0" hangingPunct="1">
-              <a:lnSpc>
-                <a:spcPct val="90000"/>
-              </a:lnSpc>
-              <a:spcBef>
-                <a:spcPct val="0"/>
-              </a:spcBef>
-              <a:buNone/>
-              <a:defRPr sz="4400" kern="1200" spc="-50" baseline="0">
-                <a:solidFill>
-                  <a:schemeClr val="tx1"/>
-                </a:solidFill>
-                <a:latin typeface="+mj-lt"/>
-                <a:ea typeface="+mj-ea"/>
-                <a:cs typeface="+mj-cs"/>
-              </a:defRPr>
-            </a:lvl1pPr>
-          </a:lstStyle>
-          <a:p>
-            <a:r>
-              <a:rPr lang="ru-RU" dirty="0" smtClean="0">
-                <a:solidFill>
-                  <a:srgbClr val="1F2E41"/>
-                </a:solidFill>
-              </a:rPr>
-              <a:t>Второй этап: </a:t>
-            </a:r>
-            <a:r>
-              <a:rPr lang="en-US" dirty="0" smtClean="0">
-                <a:solidFill>
-                  <a:srgbClr val="1F2E41"/>
-                </a:solidFill>
-              </a:rPr>
-              <a:t>ROC </a:t>
-            </a:r>
-            <a:r>
-              <a:rPr lang="ru-RU" dirty="0" smtClean="0">
-                <a:solidFill>
-                  <a:srgbClr val="1F2E41"/>
-                </a:solidFill>
-              </a:rPr>
-              <a:t>кривые интерпретируемой модели</a:t>
-            </a:r>
-            <a:endParaRPr lang="ru-RU" dirty="0">
-              <a:solidFill>
-                <a:srgbClr val="1F2E41"/>
-              </a:solidFill>
-            </a:endParaRPr>
-          </a:p>
-        </p:txBody>
-      </p:sp>
-      <p:sp>
-        <p:nvSpPr>
-          <p:cNvPr id="3" name="Прямоугольник 2"/>
-          <p:cNvSpPr/>
-          <p:nvPr/>
-        </p:nvSpPr>
-        <p:spPr>
-          <a:xfrm>
-            <a:off x="556591" y="1405595"/>
-            <a:ext cx="11161644" cy="369332"/>
-          </a:xfrm>
-          <a:prstGeom prst="rect">
-            <a:avLst/>
-          </a:prstGeom>
-        </p:spPr>
-        <p:txBody>
-          <a:bodyPr wrap="square">
-            <a:spAutoFit/>
-          </a:bodyPr>
-          <a:lstStyle/>
-          <a:p>
-            <a:r>
-              <a:rPr lang="ru-RU" dirty="0" smtClean="0">
-                <a:solidFill>
-                  <a:srgbClr val="1F2E41"/>
-                </a:solidFill>
-              </a:rPr>
-              <a:t>В нашем случае как интерпретируемые была выбрана </a:t>
-            </a:r>
-            <a:r>
-              <a:rPr lang="en-US" dirty="0" smtClean="0">
-                <a:solidFill>
-                  <a:srgbClr val="1F2E41"/>
-                </a:solidFill>
-                <a:latin typeface="Cooper Black" panose="0208090404030B020404" pitchFamily="18" charset="0"/>
-              </a:rPr>
-              <a:t>DecisionTreeClassifier</a:t>
-            </a:r>
-            <a:endParaRPr lang="ru-RU" dirty="0">
-              <a:solidFill>
-                <a:srgbClr val="1F2E41"/>
-              </a:solidFill>
-            </a:endParaRPr>
-          </a:p>
-        </p:txBody>
-      </p:sp>
-      <p:pic>
-        <p:nvPicPr>
-          <p:cNvPr id="9218" name="Picture 2" descr="https://cdn.discordapp.com/attachments/1157276947357913109/1180077041404629033/c32a37e234706d71.png?ex=657c1b63&amp;is=6569a663&amp;hm=f5626b5268aa3b55eb64c549c8c6556e3b7963a220d37c5b626442a2c7af1120&amp;"/>
-          <p:cNvPicPr>
-            <a:picLocks noChangeAspect="1" noChangeArrowheads="1"/>
-          </p:cNvPicPr>
-          <p:nvPr/>
-        </p:nvPicPr>
-        <p:blipFill>
-          <a:blip r:embed="rId2">
-            <a:extLst>
-              <a:ext uri="{28A0092B-C50C-407E-A947-70E740481C1C}">
-                <a14:useLocalDpi xmlns:a14="http://schemas.microsoft.com/office/drawing/2010/main" val="0"/>
-              </a:ext>
-            </a:extLst>
-          </a:blip>
-          <a:srcRect/>
-          <a:stretch>
-            <a:fillRect/>
-          </a:stretch>
-        </p:blipFill>
-        <p:spPr bwMode="auto">
-          <a:xfrm>
-            <a:off x="3367855" y="1987826"/>
-            <a:ext cx="6270280" cy="4424210"/>
-          </a:xfrm>
-          <a:prstGeom prst="rect">
-            <a:avLst/>
-          </a:prstGeom>
-          <a:noFill/>
-          <a:extLst>
-            <a:ext uri="{909E8E84-426E-40DD-AFC4-6F175D3DCCD1}">
-              <a14:hiddenFill xmlns:a14="http://schemas.microsoft.com/office/drawing/2010/main">
-                <a:solidFill>
-                  <a:srgbClr val="FFFFFF"/>
-                </a:solidFill>
-              </a14:hiddenFill>
-            </a:ext>
-          </a:extLst>
-        </p:spPr>
-      </p:pic>
-    </p:spTree>
-    <p:extLst>
-      <p:ext uri="{BB962C8B-B14F-4D97-AF65-F5344CB8AC3E}">
-        <p14:creationId xmlns:p14="http://schemas.microsoft.com/office/powerpoint/2010/main" val="3830586864"/>
-      </p:ext>
-    </p:extLst>
-  </p:cSld>
-  <p:clrMapOvr>
-    <a:masterClrMapping/>
-  </p:clrMapOvr>
-</p:sld>
-</file>
-
 <file path=ppt/slides/slide9.xml><?xml version="1.0" encoding="utf-8"?>
 <p:sld xmlns:a="http://schemas.openxmlformats.org/drawingml/2006/main" xmlns:r="http://schemas.openxmlformats.org/officeDocument/2006/relationships" xmlns:p="http://schemas.openxmlformats.org/presentationml/2006/main">
   <p:cSld>
@@ -5594,12 +7178,28 @@
               <a:t> </a:t>
             </a:r>
             <a:r>
-              <a:rPr lang="ru-RU" dirty="0" smtClean="0">
+              <a:rPr lang="ru-RU" smtClean="0">
                 <a:solidFill>
                   <a:srgbClr val="1F2E41"/>
                 </a:solidFill>
               </a:rPr>
-              <a:t>Интерпретируемые модели</a:t>
+              <a:t>Важность </a:t>
+            </a:r>
+            <a:r>
+              <a:rPr lang="ru-RU" smtClean="0">
+                <a:solidFill>
+                  <a:srgbClr val="1F2E41"/>
+                </a:solidFill>
+              </a:rPr>
+              <a:t>признаков</a:t>
+            </a:r>
+            <a:r>
+              <a:rPr lang="en-US" smtClean="0">
+                <a:solidFill>
+                  <a:srgbClr val="1F2E41"/>
+                </a:solidFill>
+              </a:rPr>
+              <a:t> target1</a:t>
             </a:r>
             <a:endParaRPr lang="ru-RU" dirty="0">
               <a:solidFill>
@@ -5611,49 +7211,32 @@
       </p:sp>
       <p:pic>
         <p:nvPicPr>
-          <p:cNvPr id="7" name="Picture 2" descr="https://cdn.discordapp.com/attachments/1157276947357913109/1179400361237291018/image.png?ex=6579a52e&amp;is=6567302e&amp;hm=405b0754fb0f59311962d9f15d7de51298c084dd969d2fb1e62796dc5f7c802e&amp;"/>
+          <p:cNvPr id="5" name="Рисунок 4"/>
           <p:cNvPicPr>
-            <a:picLocks noChangeAspect="1" noChangeArrowheads="1"/>
+            <a:picLocks noChangeAspect="1"/>
           </p:cNvPicPr>
           <p:nvPr/>
         </p:nvPicPr>
         <p:blipFill>
-          <a:blip r:embed="rId2">
-            <a:extLst>
-              <a:ext uri="{28A0092B-C50C-407E-A947-70E740481C1C}">
-                <a14:useLocalDpi xmlns:a14="http://schemas.microsoft.com/office/drawing/2010/main" val="0"/>
-              </a:ext>
-            </a:extLst>
-          </a:blip>
-          <a:srcRect/>
+          <a:blip r:embed="rId2"/>
           <a:stretch>
             <a:fillRect/>
           </a:stretch>
         </p:blipFill>
-        <p:spPr bwMode="auto">
+        <p:spPr>
           <a:xfrm>
-            <a:off x="1570383" y="1684927"/>
-            <a:ext cx="9640097" cy="4825204"/>
+            <a:off x="556591" y="1233471"/>
+            <a:ext cx="10967831" cy="5624529"/>
           </a:xfrm>
           <a:prstGeom prst="rect">
             <a:avLst/>
           </a:prstGeom>
-          <a:noFill/>
-          <a:extLst>
-            <a:ext uri="{909E8E84-426E-40DD-AFC4-6F175D3DCCD1}">
-              <a14:hiddenFill xmlns:a14="http://schemas.microsoft.com/office/drawing/2010/main">
-                <a:solidFill>
-                  <a:srgbClr val="FFFFFF"/>
-                </a:solidFill>
-              </a14:hiddenFill>
-            </a:ext>
-          </a:extLst>
         </p:spPr>
       </p:pic>
     </p:spTree>
     <p:extLst>
       <p:ext uri="{BB962C8B-B14F-4D97-AF65-F5344CB8AC3E}">
-        <p14:creationId xmlns:p14="http://schemas.microsoft.com/office/powerpoint/2010/main" val="2050073316"/>
+        <p14:creationId xmlns:p14="http://schemas.microsoft.com/office/powerpoint/2010/main" val="1086905200"/>
       </p:ext>
     </p:extLst>
   </p:cSld>
